--- a/lap computer background.pptx
+++ b/lap computer background.pptx
@@ -104,6 +104,11 @@
       </a:defRPr>
     </a:lvl9pPr>
   </p:defaultTextStyle>
+  <p:extLst>
+    <p:ext uri="{EFAFB233-063F-42B5-8137-9DF3F51BA10A}">
+      <p15:sldGuideLst xmlns:p15="http://schemas.microsoft.com/office/powerpoint/2012/main"/>
+    </p:ext>
+  </p:extLst>
 </p:presentation>
 </file>
 
@@ -157,7 +162,7 @@
           <a:noFill/>
           <a:extLst>
             <a:ext uri="{909E8E84-426E-40dd-AFC4-6F175D3DCCD1}">
-              <a14:hiddenFill xmlns:a14="http://schemas.microsoft.com/office/drawing/2010/main" xmlns="">
+              <a14:hiddenFill xmlns="" xmlns:a14="http://schemas.microsoft.com/office/drawing/2010/main">
                 <a:solidFill>
                   <a:srgbClr val="FFFFFF"/>
                 </a:solidFill>
@@ -217,7 +222,7 @@
             </a:ln>
             <a:extLst>
               <a:ext uri="{91240B29-F687-4f45-9708-019B960494DF}">
-                <a14:hiddenLine xmlns:a14="http://schemas.microsoft.com/office/drawing/2010/main" xmlns="" w="9525">
+                <a14:hiddenLine xmlns="" xmlns:a14="http://schemas.microsoft.com/office/drawing/2010/main" w="9525">
                   <a:solidFill>
                     <a:srgbClr val="000000"/>
                   </a:solidFill>
@@ -307,7 +312,7 @@
             </a:ln>
             <a:extLst>
               <a:ext uri="{91240B29-F687-4f45-9708-019B960494DF}">
-                <a14:hiddenLine xmlns:a14="http://schemas.microsoft.com/office/drawing/2010/main" xmlns="" w="9525">
+                <a14:hiddenLine xmlns="" xmlns:a14="http://schemas.microsoft.com/office/drawing/2010/main" w="9525">
                   <a:solidFill>
                     <a:srgbClr val="000000"/>
                   </a:solidFill>
@@ -397,7 +402,7 @@
             </a:ln>
             <a:extLst>
               <a:ext uri="{91240B29-F687-4f45-9708-019B960494DF}">
-                <a14:hiddenLine xmlns:a14="http://schemas.microsoft.com/office/drawing/2010/main" xmlns="" w="9525">
+                <a14:hiddenLine xmlns="" xmlns:a14="http://schemas.microsoft.com/office/drawing/2010/main" w="9525">
                   <a:solidFill>
                     <a:srgbClr val="000000"/>
                   </a:solidFill>
@@ -431,7 +436,7 @@
             </a:ln>
             <a:extLst>
               <a:ext uri="{91240B29-F687-4f45-9708-019B960494DF}">
-                <a14:hiddenLine xmlns:a14="http://schemas.microsoft.com/office/drawing/2010/main" xmlns="" w="9525">
+                <a14:hiddenLine xmlns="" xmlns:a14="http://schemas.microsoft.com/office/drawing/2010/main" w="9525">
                   <a:solidFill>
                     <a:srgbClr val="000000"/>
                   </a:solidFill>
@@ -521,7 +526,7 @@
             </a:ln>
             <a:extLst>
               <a:ext uri="{91240B29-F687-4f45-9708-019B960494DF}">
-                <a14:hiddenLine xmlns:a14="http://schemas.microsoft.com/office/drawing/2010/main" xmlns="" w="9525">
+                <a14:hiddenLine xmlns="" xmlns:a14="http://schemas.microsoft.com/office/drawing/2010/main" w="9525">
                   <a:solidFill>
                     <a:srgbClr val="000000"/>
                   </a:solidFill>
@@ -583,7 +588,7 @@
             </a:ln>
             <a:extLst>
               <a:ext uri="{91240B29-F687-4f45-9708-019B960494DF}">
-                <a14:hiddenLine xmlns:a14="http://schemas.microsoft.com/office/drawing/2010/main" xmlns="" w="9525">
+                <a14:hiddenLine xmlns="" xmlns:a14="http://schemas.microsoft.com/office/drawing/2010/main" w="9525">
                   <a:solidFill>
                     <a:srgbClr val="000000"/>
                   </a:solidFill>
@@ -645,7 +650,7 @@
             </a:ln>
             <a:extLst>
               <a:ext uri="{91240B29-F687-4f45-9708-019B960494DF}">
-                <a14:hiddenLine xmlns:a14="http://schemas.microsoft.com/office/drawing/2010/main" xmlns="" w="9525">
+                <a14:hiddenLine xmlns="" xmlns:a14="http://schemas.microsoft.com/office/drawing/2010/main" w="9525">
                   <a:solidFill>
                     <a:srgbClr val="000000"/>
                   </a:solidFill>
@@ -735,7 +740,7 @@
             </a:ln>
             <a:extLst>
               <a:ext uri="{91240B29-F687-4f45-9708-019B960494DF}">
-                <a14:hiddenLine xmlns:a14="http://schemas.microsoft.com/office/drawing/2010/main" xmlns="" w="9525">
+                <a14:hiddenLine xmlns="" xmlns:a14="http://schemas.microsoft.com/office/drawing/2010/main" w="9525">
                   <a:solidFill>
                     <a:srgbClr val="000000"/>
                   </a:solidFill>
@@ -797,7 +802,7 @@
             </a:ln>
             <a:extLst>
               <a:ext uri="{91240B29-F687-4f45-9708-019B960494DF}">
-                <a14:hiddenLine xmlns:a14="http://schemas.microsoft.com/office/drawing/2010/main" xmlns="" w="9525">
+                <a14:hiddenLine xmlns="" xmlns:a14="http://schemas.microsoft.com/office/drawing/2010/main" w="9525">
                   <a:solidFill>
                     <a:srgbClr val="000000"/>
                   </a:solidFill>
@@ -859,7 +864,7 @@
             </a:ln>
             <a:extLst>
               <a:ext uri="{91240B29-F687-4f45-9708-019B960494DF}">
-                <a14:hiddenLine xmlns:a14="http://schemas.microsoft.com/office/drawing/2010/main" xmlns="" w="9525">
+                <a14:hiddenLine xmlns="" xmlns:a14="http://schemas.microsoft.com/office/drawing/2010/main" w="9525">
                   <a:solidFill>
                     <a:srgbClr val="000000"/>
                   </a:solidFill>
@@ -949,7 +954,7 @@
             </a:ln>
             <a:extLst>
               <a:ext uri="{91240B29-F687-4f45-9708-019B960494DF}">
-                <a14:hiddenLine xmlns:a14="http://schemas.microsoft.com/office/drawing/2010/main" xmlns="" w="9525">
+                <a14:hiddenLine xmlns="" xmlns:a14="http://schemas.microsoft.com/office/drawing/2010/main" w="9525">
                   <a:solidFill>
                     <a:srgbClr val="000000"/>
                   </a:solidFill>
@@ -1039,7 +1044,7 @@
             </a:ln>
             <a:extLst>
               <a:ext uri="{91240B29-F687-4f45-9708-019B960494DF}">
-                <a14:hiddenLine xmlns:a14="http://schemas.microsoft.com/office/drawing/2010/main" xmlns="" w="9525">
+                <a14:hiddenLine xmlns="" xmlns:a14="http://schemas.microsoft.com/office/drawing/2010/main" w="9525">
                   <a:solidFill>
                     <a:srgbClr val="000000"/>
                   </a:solidFill>
@@ -1101,7 +1106,7 @@
             </a:ln>
             <a:extLst>
               <a:ext uri="{91240B29-F687-4f45-9708-019B960494DF}">
-                <a14:hiddenLine xmlns:a14="http://schemas.microsoft.com/office/drawing/2010/main" xmlns="" w="9525">
+                <a14:hiddenLine xmlns="" xmlns:a14="http://schemas.microsoft.com/office/drawing/2010/main" w="9525">
                   <a:solidFill>
                     <a:srgbClr val="000000"/>
                   </a:solidFill>
@@ -1211,7 +1216,7 @@
             </a:ln>
             <a:extLst>
               <a:ext uri="{91240B29-F687-4f45-9708-019B960494DF}">
-                <a14:hiddenLine xmlns:a14="http://schemas.microsoft.com/office/drawing/2010/main" xmlns="" w="9525">
+                <a14:hiddenLine xmlns="" xmlns:a14="http://schemas.microsoft.com/office/drawing/2010/main" w="9525">
                   <a:solidFill>
                     <a:srgbClr val="000000"/>
                   </a:solidFill>
@@ -1273,7 +1278,7 @@
             </a:ln>
             <a:extLst>
               <a:ext uri="{91240B29-F687-4f45-9708-019B960494DF}">
-                <a14:hiddenLine xmlns:a14="http://schemas.microsoft.com/office/drawing/2010/main" xmlns="" w="9525">
+                <a14:hiddenLine xmlns="" xmlns:a14="http://schemas.microsoft.com/office/drawing/2010/main" w="9525">
                   <a:solidFill>
                     <a:srgbClr val="000000"/>
                   </a:solidFill>
@@ -1363,7 +1368,7 @@
             </a:ln>
             <a:extLst>
               <a:ext uri="{91240B29-F687-4f45-9708-019B960494DF}">
-                <a14:hiddenLine xmlns:a14="http://schemas.microsoft.com/office/drawing/2010/main" xmlns="" w="9525">
+                <a14:hiddenLine xmlns="" xmlns:a14="http://schemas.microsoft.com/office/drawing/2010/main" w="9525">
                   <a:solidFill>
                     <a:srgbClr val="000000"/>
                   </a:solidFill>
@@ -1453,7 +1458,7 @@
             </a:ln>
             <a:extLst>
               <a:ext uri="{91240B29-F687-4f45-9708-019B960494DF}">
-                <a14:hiddenLine xmlns:a14="http://schemas.microsoft.com/office/drawing/2010/main" xmlns="" w="9525">
+                <a14:hiddenLine xmlns="" xmlns:a14="http://schemas.microsoft.com/office/drawing/2010/main" w="9525">
                   <a:solidFill>
                     <a:srgbClr val="000000"/>
                   </a:solidFill>
@@ -1515,7 +1520,7 @@
             </a:ln>
             <a:extLst>
               <a:ext uri="{91240B29-F687-4f45-9708-019B960494DF}">
-                <a14:hiddenLine xmlns:a14="http://schemas.microsoft.com/office/drawing/2010/main" xmlns="" w="9525">
+                <a14:hiddenLine xmlns="" xmlns:a14="http://schemas.microsoft.com/office/drawing/2010/main" w="9525">
                   <a:solidFill>
                     <a:srgbClr val="000000"/>
                   </a:solidFill>
@@ -1605,7 +1610,7 @@
             </a:ln>
             <a:extLst>
               <a:ext uri="{91240B29-F687-4f45-9708-019B960494DF}">
-                <a14:hiddenLine xmlns:a14="http://schemas.microsoft.com/office/drawing/2010/main" xmlns="" w="9525">
+                <a14:hiddenLine xmlns="" xmlns:a14="http://schemas.microsoft.com/office/drawing/2010/main" w="9525">
                   <a:solidFill>
                     <a:srgbClr val="000000"/>
                   </a:solidFill>
@@ -1695,7 +1700,7 @@
             </a:ln>
             <a:extLst>
               <a:ext uri="{91240B29-F687-4f45-9708-019B960494DF}">
-                <a14:hiddenLine xmlns:a14="http://schemas.microsoft.com/office/drawing/2010/main" xmlns="" w="9525">
+                <a14:hiddenLine xmlns="" xmlns:a14="http://schemas.microsoft.com/office/drawing/2010/main" w="9525">
                   <a:solidFill>
                     <a:srgbClr val="000000"/>
                   </a:solidFill>
@@ -1751,7 +1756,7 @@
             </a:ln>
             <a:extLst>
               <a:ext uri="{91240B29-F687-4f45-9708-019B960494DF}">
-                <a14:hiddenLine xmlns:a14="http://schemas.microsoft.com/office/drawing/2010/main" xmlns="" w="9525">
+                <a14:hiddenLine xmlns="" xmlns:a14="http://schemas.microsoft.com/office/drawing/2010/main" w="9525">
                   <a:solidFill>
                     <a:srgbClr val="000000"/>
                   </a:solidFill>
@@ -1841,7 +1846,7 @@
             </a:ln>
             <a:extLst>
               <a:ext uri="{91240B29-F687-4f45-9708-019B960494DF}">
-                <a14:hiddenLine xmlns:a14="http://schemas.microsoft.com/office/drawing/2010/main" xmlns="" w="9525">
+                <a14:hiddenLine xmlns="" xmlns:a14="http://schemas.microsoft.com/office/drawing/2010/main" w="9525">
                   <a:solidFill>
                     <a:srgbClr val="000000"/>
                   </a:solidFill>
@@ -1897,7 +1902,7 @@
             </a:ln>
             <a:extLst>
               <a:ext uri="{91240B29-F687-4f45-9708-019B960494DF}">
-                <a14:hiddenLine xmlns:a14="http://schemas.microsoft.com/office/drawing/2010/main" xmlns="" w="9525">
+                <a14:hiddenLine xmlns="" xmlns:a14="http://schemas.microsoft.com/office/drawing/2010/main" w="9525">
                   <a:solidFill>
                     <a:srgbClr val="000000"/>
                   </a:solidFill>
@@ -1987,7 +1992,7 @@
             </a:ln>
             <a:extLst>
               <a:ext uri="{91240B29-F687-4f45-9708-019B960494DF}">
-                <a14:hiddenLine xmlns:a14="http://schemas.microsoft.com/office/drawing/2010/main" xmlns="" w="9525">
+                <a14:hiddenLine xmlns="" xmlns:a14="http://schemas.microsoft.com/office/drawing/2010/main" w="9525">
                   <a:solidFill>
                     <a:srgbClr val="000000"/>
                   </a:solidFill>
@@ -2055,7 +2060,7 @@
             </a:ln>
             <a:extLst>
               <a:ext uri="{91240B29-F687-4f45-9708-019B960494DF}">
-                <a14:hiddenLine xmlns:a14="http://schemas.microsoft.com/office/drawing/2010/main" xmlns="" w="9525">
+                <a14:hiddenLine xmlns="" xmlns:a14="http://schemas.microsoft.com/office/drawing/2010/main" w="9525">
                   <a:solidFill>
                     <a:srgbClr val="000000"/>
                   </a:solidFill>
@@ -2145,7 +2150,7 @@
             </a:ln>
             <a:extLst>
               <a:ext uri="{91240B29-F687-4f45-9708-019B960494DF}">
-                <a14:hiddenLine xmlns:a14="http://schemas.microsoft.com/office/drawing/2010/main" xmlns="" w="9525">
+                <a14:hiddenLine xmlns="" xmlns:a14="http://schemas.microsoft.com/office/drawing/2010/main" w="9525">
                   <a:solidFill>
                     <a:srgbClr val="000000"/>
                   </a:solidFill>
@@ -2213,7 +2218,7 @@
             </a:ln>
             <a:extLst>
               <a:ext uri="{91240B29-F687-4f45-9708-019B960494DF}">
-                <a14:hiddenLine xmlns:a14="http://schemas.microsoft.com/office/drawing/2010/main" xmlns="" w="9525">
+                <a14:hiddenLine xmlns="" xmlns:a14="http://schemas.microsoft.com/office/drawing/2010/main" w="9525">
                   <a:solidFill>
                     <a:srgbClr val="000000"/>
                   </a:solidFill>
@@ -2303,7 +2308,7 @@
             </a:ln>
             <a:extLst>
               <a:ext uri="{91240B29-F687-4f45-9708-019B960494DF}">
-                <a14:hiddenLine xmlns:a14="http://schemas.microsoft.com/office/drawing/2010/main" xmlns="" w="9525">
+                <a14:hiddenLine xmlns="" xmlns:a14="http://schemas.microsoft.com/office/drawing/2010/main" w="9525">
                   <a:solidFill>
                     <a:srgbClr val="000000"/>
                   </a:solidFill>
@@ -2337,7 +2342,7 @@
             </a:ln>
             <a:extLst>
               <a:ext uri="{91240B29-F687-4f45-9708-019B960494DF}">
-                <a14:hiddenLine xmlns:a14="http://schemas.microsoft.com/office/drawing/2010/main" xmlns="" w="9525">
+                <a14:hiddenLine xmlns="" xmlns:a14="http://schemas.microsoft.com/office/drawing/2010/main" w="9525">
                   <a:solidFill>
                     <a:srgbClr val="000000"/>
                   </a:solidFill>
@@ -2427,7 +2432,7 @@
             </a:ln>
             <a:extLst>
               <a:ext uri="{91240B29-F687-4f45-9708-019B960494DF}">
-                <a14:hiddenLine xmlns:a14="http://schemas.microsoft.com/office/drawing/2010/main" xmlns="" w="9525">
+                <a14:hiddenLine xmlns="" xmlns:a14="http://schemas.microsoft.com/office/drawing/2010/main" w="9525">
                   <a:solidFill>
                     <a:srgbClr val="000000"/>
                   </a:solidFill>
@@ -2489,7 +2494,7 @@
             </a:ln>
             <a:extLst>
               <a:ext uri="{91240B29-F687-4f45-9708-019B960494DF}">
-                <a14:hiddenLine xmlns:a14="http://schemas.microsoft.com/office/drawing/2010/main" xmlns="" w="9525">
+                <a14:hiddenLine xmlns="" xmlns:a14="http://schemas.microsoft.com/office/drawing/2010/main" w="9525">
                   <a:solidFill>
                     <a:srgbClr val="000000"/>
                   </a:solidFill>
@@ -2551,7 +2556,7 @@
             </a:ln>
             <a:extLst>
               <a:ext uri="{91240B29-F687-4f45-9708-019B960494DF}">
-                <a14:hiddenLine xmlns:a14="http://schemas.microsoft.com/office/drawing/2010/main" xmlns="" w="9525">
+                <a14:hiddenLine xmlns="" xmlns:a14="http://schemas.microsoft.com/office/drawing/2010/main" w="9525">
                   <a:solidFill>
                     <a:srgbClr val="000000"/>
                   </a:solidFill>
@@ -2641,7 +2646,7 @@
             </a:ln>
             <a:extLst>
               <a:ext uri="{91240B29-F687-4f45-9708-019B960494DF}">
-                <a14:hiddenLine xmlns:a14="http://schemas.microsoft.com/office/drawing/2010/main" xmlns="" w="9525">
+                <a14:hiddenLine xmlns="" xmlns:a14="http://schemas.microsoft.com/office/drawing/2010/main" w="9525">
                   <a:solidFill>
                     <a:srgbClr val="000000"/>
                   </a:solidFill>
@@ -2709,7 +2714,7 @@
             </a:ln>
             <a:extLst>
               <a:ext uri="{91240B29-F687-4f45-9708-019B960494DF}">
-                <a14:hiddenLine xmlns:a14="http://schemas.microsoft.com/office/drawing/2010/main" xmlns="" w="9525">
+                <a14:hiddenLine xmlns="" xmlns:a14="http://schemas.microsoft.com/office/drawing/2010/main" w="9525">
                   <a:solidFill>
                     <a:srgbClr val="000000"/>
                   </a:solidFill>
@@ -2771,7 +2776,7 @@
             </a:ln>
             <a:extLst>
               <a:ext uri="{91240B29-F687-4f45-9708-019B960494DF}">
-                <a14:hiddenLine xmlns:a14="http://schemas.microsoft.com/office/drawing/2010/main" xmlns="" w="9525">
+                <a14:hiddenLine xmlns="" xmlns:a14="http://schemas.microsoft.com/office/drawing/2010/main" w="9525">
                   <a:solidFill>
                     <a:srgbClr val="000000"/>
                   </a:solidFill>
@@ -2861,7 +2866,7 @@
             </a:ln>
             <a:extLst>
               <a:ext uri="{91240B29-F687-4f45-9708-019B960494DF}">
-                <a14:hiddenLine xmlns:a14="http://schemas.microsoft.com/office/drawing/2010/main" xmlns="" w="9525">
+                <a14:hiddenLine xmlns="" xmlns:a14="http://schemas.microsoft.com/office/drawing/2010/main" w="9525">
                   <a:solidFill>
                     <a:srgbClr val="000000"/>
                   </a:solidFill>
@@ -2923,7 +2928,7 @@
             </a:ln>
             <a:extLst>
               <a:ext uri="{91240B29-F687-4f45-9708-019B960494DF}">
-                <a14:hiddenLine xmlns:a14="http://schemas.microsoft.com/office/drawing/2010/main" xmlns="" w="9525">
+                <a14:hiddenLine xmlns="" xmlns:a14="http://schemas.microsoft.com/office/drawing/2010/main" w="9525">
                   <a:solidFill>
                     <a:srgbClr val="000000"/>
                   </a:solidFill>
@@ -3013,7 +3018,7 @@
             </a:ln>
             <a:extLst>
               <a:ext uri="{91240B29-F687-4f45-9708-019B960494DF}">
-                <a14:hiddenLine xmlns:a14="http://schemas.microsoft.com/office/drawing/2010/main" xmlns="" w="9525">
+                <a14:hiddenLine xmlns="" xmlns:a14="http://schemas.microsoft.com/office/drawing/2010/main" w="9525">
                   <a:solidFill>
                     <a:srgbClr val="000000"/>
                   </a:solidFill>
@@ -3075,7 +3080,7 @@
             </a:ln>
             <a:extLst>
               <a:ext uri="{91240B29-F687-4f45-9708-019B960494DF}">
-                <a14:hiddenLine xmlns:a14="http://schemas.microsoft.com/office/drawing/2010/main" xmlns="" w="9525">
+                <a14:hiddenLine xmlns="" xmlns:a14="http://schemas.microsoft.com/office/drawing/2010/main" w="9525">
                   <a:solidFill>
                     <a:srgbClr val="000000"/>
                   </a:solidFill>
@@ -3165,7 +3170,7 @@
             </a:ln>
             <a:extLst>
               <a:ext uri="{91240B29-F687-4f45-9708-019B960494DF}">
-                <a14:hiddenLine xmlns:a14="http://schemas.microsoft.com/office/drawing/2010/main" xmlns="" w="9525">
+                <a14:hiddenLine xmlns="" xmlns:a14="http://schemas.microsoft.com/office/drawing/2010/main" w="9525">
                   <a:solidFill>
                     <a:srgbClr val="000000"/>
                   </a:solidFill>
@@ -3199,7 +3204,7 @@
             </a:ln>
             <a:extLst>
               <a:ext uri="{91240B29-F687-4f45-9708-019B960494DF}">
-                <a14:hiddenLine xmlns:a14="http://schemas.microsoft.com/office/drawing/2010/main" xmlns="" w="9525">
+                <a14:hiddenLine xmlns="" xmlns:a14="http://schemas.microsoft.com/office/drawing/2010/main" w="9525">
                   <a:solidFill>
                     <a:srgbClr val="000000"/>
                   </a:solidFill>
@@ -3264,7 +3269,7 @@
             </a:ln>
             <a:extLst>
               <a:ext uri="{91240B29-F687-4f45-9708-019B960494DF}">
-                <a14:hiddenLine xmlns:a14="http://schemas.microsoft.com/office/drawing/2010/main" xmlns="" w="9525">
+                <a14:hiddenLine xmlns="" xmlns:a14="http://schemas.microsoft.com/office/drawing/2010/main" w="9525">
                   <a:solidFill>
                     <a:srgbClr val="000000"/>
                   </a:solidFill>
@@ -3354,7 +3359,7 @@
             </a:ln>
             <a:extLst>
               <a:ext uri="{91240B29-F687-4f45-9708-019B960494DF}">
-                <a14:hiddenLine xmlns:a14="http://schemas.microsoft.com/office/drawing/2010/main" xmlns="" w="9525">
+                <a14:hiddenLine xmlns="" xmlns:a14="http://schemas.microsoft.com/office/drawing/2010/main" w="9525">
                   <a:solidFill>
                     <a:srgbClr val="000000"/>
                   </a:solidFill>
@@ -3416,7 +3421,7 @@
             </a:ln>
             <a:extLst>
               <a:ext uri="{91240B29-F687-4f45-9708-019B960494DF}">
-                <a14:hiddenLine xmlns:a14="http://schemas.microsoft.com/office/drawing/2010/main" xmlns="" w="9525">
+                <a14:hiddenLine xmlns="" xmlns:a14="http://schemas.microsoft.com/office/drawing/2010/main" w="9525">
                   <a:solidFill>
                     <a:srgbClr val="000000"/>
                   </a:solidFill>
@@ -3506,7 +3511,7 @@
             </a:ln>
             <a:extLst>
               <a:ext uri="{91240B29-F687-4f45-9708-019B960494DF}">
-                <a14:hiddenLine xmlns:a14="http://schemas.microsoft.com/office/drawing/2010/main" xmlns="" w="9525">
+                <a14:hiddenLine xmlns="" xmlns:a14="http://schemas.microsoft.com/office/drawing/2010/main" w="9525">
                   <a:solidFill>
                     <a:srgbClr val="000000"/>
                   </a:solidFill>
@@ -3596,7 +3601,7 @@
             </a:ln>
             <a:extLst>
               <a:ext uri="{91240B29-F687-4f45-9708-019B960494DF}">
-                <a14:hiddenLine xmlns:a14="http://schemas.microsoft.com/office/drawing/2010/main" xmlns="" w="9525">
+                <a14:hiddenLine xmlns="" xmlns:a14="http://schemas.microsoft.com/office/drawing/2010/main" w="9525">
                   <a:solidFill>
                     <a:srgbClr val="000000"/>
                   </a:solidFill>
@@ -3661,7 +3666,7 @@
             </a:ln>
             <a:extLst>
               <a:ext uri="{91240B29-F687-4f45-9708-019B960494DF}">
-                <a14:hiddenLine xmlns:a14="http://schemas.microsoft.com/office/drawing/2010/main" xmlns="" w="9525">
+                <a14:hiddenLine xmlns="" xmlns:a14="http://schemas.microsoft.com/office/drawing/2010/main" w="9525">
                   <a:solidFill>
                     <a:srgbClr val="000000"/>
                   </a:solidFill>
@@ -3723,7 +3728,7 @@
             </a:ln>
             <a:extLst>
               <a:ext uri="{91240B29-F687-4f45-9708-019B960494DF}">
-                <a14:hiddenLine xmlns:a14="http://schemas.microsoft.com/office/drawing/2010/main" xmlns="" w="9525">
+                <a14:hiddenLine xmlns="" xmlns:a14="http://schemas.microsoft.com/office/drawing/2010/main" w="9525">
                   <a:solidFill>
                     <a:srgbClr val="000000"/>
                   </a:solidFill>
@@ -3813,7 +3818,7 @@
             </a:ln>
             <a:extLst>
               <a:ext uri="{91240B29-F687-4f45-9708-019B960494DF}">
-                <a14:hiddenLine xmlns:a14="http://schemas.microsoft.com/office/drawing/2010/main" xmlns="" w="9525">
+                <a14:hiddenLine xmlns="" xmlns:a14="http://schemas.microsoft.com/office/drawing/2010/main" w="9525">
                   <a:solidFill>
                     <a:srgbClr val="000000"/>
                   </a:solidFill>
@@ -3903,7 +3908,7 @@
             </a:ln>
             <a:extLst>
               <a:ext uri="{91240B29-F687-4f45-9708-019B960494DF}">
-                <a14:hiddenLine xmlns:a14="http://schemas.microsoft.com/office/drawing/2010/main" xmlns="" w="9525">
+                <a14:hiddenLine xmlns="" xmlns:a14="http://schemas.microsoft.com/office/drawing/2010/main" w="9525">
                   <a:solidFill>
                     <a:srgbClr val="000000"/>
                   </a:solidFill>
@@ -3965,7 +3970,7 @@
             </a:ln>
             <a:extLst>
               <a:ext uri="{91240B29-F687-4f45-9708-019B960494DF}">
-                <a14:hiddenLine xmlns:a14="http://schemas.microsoft.com/office/drawing/2010/main" xmlns="" w="9525">
+                <a14:hiddenLine xmlns="" xmlns:a14="http://schemas.microsoft.com/office/drawing/2010/main" w="9525">
                   <a:solidFill>
                     <a:srgbClr val="000000"/>
                   </a:solidFill>
@@ -4085,7 +4090,7 @@
             </a:ln>
             <a:extLst>
               <a:ext uri="{91240B29-F687-4f45-9708-019B960494DF}">
-                <a14:hiddenLine xmlns:a14="http://schemas.microsoft.com/office/drawing/2010/main" xmlns="" w="9525">
+                <a14:hiddenLine xmlns="" xmlns:a14="http://schemas.microsoft.com/office/drawing/2010/main" w="9525">
                   <a:solidFill>
                     <a:srgbClr val="000000"/>
                   </a:solidFill>
@@ -4153,7 +4158,7 @@
             </a:ln>
             <a:extLst>
               <a:ext uri="{91240B29-F687-4f45-9708-019B960494DF}">
-                <a14:hiddenLine xmlns:a14="http://schemas.microsoft.com/office/drawing/2010/main" xmlns="" w="9525">
+                <a14:hiddenLine xmlns="" xmlns:a14="http://schemas.microsoft.com/office/drawing/2010/main" w="9525">
                   <a:solidFill>
                     <a:srgbClr val="000000"/>
                   </a:solidFill>
@@ -4243,7 +4248,7 @@
             </a:ln>
             <a:extLst>
               <a:ext uri="{91240B29-F687-4f45-9708-019B960494DF}">
-                <a14:hiddenLine xmlns:a14="http://schemas.microsoft.com/office/drawing/2010/main" xmlns="" w="9525">
+                <a14:hiddenLine xmlns="" xmlns:a14="http://schemas.microsoft.com/office/drawing/2010/main" w="9525">
                   <a:solidFill>
                     <a:srgbClr val="000000"/>
                   </a:solidFill>
@@ -9050,7 +9055,7 @@
           <a:noFill/>
           <a:extLst>
             <a:ext uri="{909E8E84-426E-40dd-AFC4-6F175D3DCCD1}">
-              <a14:hiddenFill xmlns:a14="http://schemas.microsoft.com/office/drawing/2010/main" xmlns="">
+              <a14:hiddenFill xmlns="" xmlns:a14="http://schemas.microsoft.com/office/drawing/2010/main">
                 <a:solidFill>
                   <a:srgbClr val="FFFFFF"/>
                 </a:solidFill>
@@ -9124,7 +9129,7 @@
               </a:ln>
               <a:extLst>
                 <a:ext uri="{91240B29-F687-4f45-9708-019B960494DF}">
-                  <a14:hiddenLine xmlns:a14="http://schemas.microsoft.com/office/drawing/2010/main" xmlns="" w="9525">
+                  <a14:hiddenLine xmlns="" xmlns:a14="http://schemas.microsoft.com/office/drawing/2010/main" w="9525">
                     <a:solidFill>
                       <a:srgbClr val="000000"/>
                     </a:solidFill>
@@ -9214,7 +9219,7 @@
               </a:ln>
               <a:extLst>
                 <a:ext uri="{91240B29-F687-4f45-9708-019B960494DF}">
-                  <a14:hiddenLine xmlns:a14="http://schemas.microsoft.com/office/drawing/2010/main" xmlns="" w="9525">
+                  <a14:hiddenLine xmlns="" xmlns:a14="http://schemas.microsoft.com/office/drawing/2010/main" w="9525">
                     <a:solidFill>
                       <a:srgbClr val="000000"/>
                     </a:solidFill>
@@ -9304,7 +9309,7 @@
               </a:ln>
               <a:extLst>
                 <a:ext uri="{91240B29-F687-4f45-9708-019B960494DF}">
-                  <a14:hiddenLine xmlns:a14="http://schemas.microsoft.com/office/drawing/2010/main" xmlns="" w="9525">
+                  <a14:hiddenLine xmlns="" xmlns:a14="http://schemas.microsoft.com/office/drawing/2010/main" w="9525">
                     <a:solidFill>
                       <a:srgbClr val="000000"/>
                     </a:solidFill>
@@ -9366,7 +9371,7 @@
               </a:ln>
               <a:extLst>
                 <a:ext uri="{91240B29-F687-4f45-9708-019B960494DF}">
-                  <a14:hiddenLine xmlns:a14="http://schemas.microsoft.com/office/drawing/2010/main" xmlns="" w="9525">
+                  <a14:hiddenLine xmlns="" xmlns:a14="http://schemas.microsoft.com/office/drawing/2010/main" w="9525">
                     <a:solidFill>
                       <a:srgbClr val="000000"/>
                     </a:solidFill>
@@ -9456,7 +9461,7 @@
               </a:ln>
               <a:extLst>
                 <a:ext uri="{91240B29-F687-4f45-9708-019B960494DF}">
-                  <a14:hiddenLine xmlns:a14="http://schemas.microsoft.com/office/drawing/2010/main" xmlns="" w="9525">
+                  <a14:hiddenLine xmlns="" xmlns:a14="http://schemas.microsoft.com/office/drawing/2010/main" w="9525">
                     <a:solidFill>
                       <a:srgbClr val="000000"/>
                     </a:solidFill>
@@ -9518,7 +9523,7 @@
               </a:ln>
               <a:extLst>
                 <a:ext uri="{91240B29-F687-4f45-9708-019B960494DF}">
-                  <a14:hiddenLine xmlns:a14="http://schemas.microsoft.com/office/drawing/2010/main" xmlns="" w="9525">
+                  <a14:hiddenLine xmlns="" xmlns:a14="http://schemas.microsoft.com/office/drawing/2010/main" w="9525">
                     <a:solidFill>
                       <a:srgbClr val="000000"/>
                     </a:solidFill>
@@ -9580,7 +9585,7 @@
               </a:ln>
               <a:extLst>
                 <a:ext uri="{91240B29-F687-4f45-9708-019B960494DF}">
-                  <a14:hiddenLine xmlns:a14="http://schemas.microsoft.com/office/drawing/2010/main" xmlns="" w="9525">
+                  <a14:hiddenLine xmlns="" xmlns:a14="http://schemas.microsoft.com/office/drawing/2010/main" w="9525">
                     <a:solidFill>
                       <a:srgbClr val="000000"/>
                     </a:solidFill>
@@ -9670,7 +9675,7 @@
               </a:ln>
               <a:extLst>
                 <a:ext uri="{91240B29-F687-4f45-9708-019B960494DF}">
-                  <a14:hiddenLine xmlns:a14="http://schemas.microsoft.com/office/drawing/2010/main" xmlns="" w="9525">
+                  <a14:hiddenLine xmlns="" xmlns:a14="http://schemas.microsoft.com/office/drawing/2010/main" w="9525">
                     <a:solidFill>
                       <a:srgbClr val="000000"/>
                     </a:solidFill>
@@ -9760,7 +9765,7 @@
               </a:ln>
               <a:extLst>
                 <a:ext uri="{91240B29-F687-4f45-9708-019B960494DF}">
-                  <a14:hiddenLine xmlns:a14="http://schemas.microsoft.com/office/drawing/2010/main" xmlns="" w="9525">
+                  <a14:hiddenLine xmlns="" xmlns:a14="http://schemas.microsoft.com/office/drawing/2010/main" w="9525">
                     <a:solidFill>
                       <a:srgbClr val="000000"/>
                     </a:solidFill>
@@ -9822,7 +9827,7 @@
               </a:ln>
               <a:extLst>
                 <a:ext uri="{91240B29-F687-4f45-9708-019B960494DF}">
-                  <a14:hiddenLine xmlns:a14="http://schemas.microsoft.com/office/drawing/2010/main" xmlns="" w="9525">
+                  <a14:hiddenLine xmlns="" xmlns:a14="http://schemas.microsoft.com/office/drawing/2010/main" w="9525">
                     <a:solidFill>
                       <a:srgbClr val="000000"/>
                     </a:solidFill>
@@ -9932,7 +9937,7 @@
               </a:ln>
               <a:extLst>
                 <a:ext uri="{91240B29-F687-4f45-9708-019B960494DF}">
-                  <a14:hiddenLine xmlns:a14="http://schemas.microsoft.com/office/drawing/2010/main" xmlns="" w="9525">
+                  <a14:hiddenLine xmlns="" xmlns:a14="http://schemas.microsoft.com/office/drawing/2010/main" w="9525">
                     <a:solidFill>
                       <a:srgbClr val="000000"/>
                     </a:solidFill>
@@ -10016,7 +10021,7 @@
               </a:ln>
               <a:extLst>
                 <a:ext uri="{91240B29-F687-4f45-9708-019B960494DF}">
-                  <a14:hiddenLine xmlns:a14="http://schemas.microsoft.com/office/drawing/2010/main" xmlns="" w="9525">
+                  <a14:hiddenLine xmlns="" xmlns:a14="http://schemas.microsoft.com/office/drawing/2010/main" w="9525">
                     <a:solidFill>
                       <a:srgbClr val="000000"/>
                     </a:solidFill>
@@ -10078,7 +10083,7 @@
               </a:ln>
               <a:extLst>
                 <a:ext uri="{91240B29-F687-4f45-9708-019B960494DF}">
-                  <a14:hiddenLine xmlns:a14="http://schemas.microsoft.com/office/drawing/2010/main" xmlns="" w="9525">
+                  <a14:hiddenLine xmlns="" xmlns:a14="http://schemas.microsoft.com/office/drawing/2010/main" w="9525">
                     <a:solidFill>
                       <a:srgbClr val="000000"/>
                     </a:solidFill>
@@ -10140,7 +10145,7 @@
               </a:ln>
               <a:extLst>
                 <a:ext uri="{91240B29-F687-4f45-9708-019B960494DF}">
-                  <a14:hiddenLine xmlns:a14="http://schemas.microsoft.com/office/drawing/2010/main" xmlns="" w="9525">
+                  <a14:hiddenLine xmlns="" xmlns:a14="http://schemas.microsoft.com/office/drawing/2010/main" w="9525">
                     <a:solidFill>
                       <a:srgbClr val="000000"/>
                     </a:solidFill>
@@ -10230,7 +10235,7 @@
               </a:ln>
               <a:extLst>
                 <a:ext uri="{91240B29-F687-4f45-9708-019B960494DF}">
-                  <a14:hiddenLine xmlns:a14="http://schemas.microsoft.com/office/drawing/2010/main" xmlns="" w="9525">
+                  <a14:hiddenLine xmlns="" xmlns:a14="http://schemas.microsoft.com/office/drawing/2010/main" w="9525">
                     <a:solidFill>
                       <a:srgbClr val="000000"/>
                     </a:solidFill>
@@ -10264,7 +10269,7 @@
               </a:ln>
               <a:extLst>
                 <a:ext uri="{91240B29-F687-4f45-9708-019B960494DF}">
-                  <a14:hiddenLine xmlns:a14="http://schemas.microsoft.com/office/drawing/2010/main" xmlns="" w="9525">
+                  <a14:hiddenLine xmlns="" xmlns:a14="http://schemas.microsoft.com/office/drawing/2010/main" w="9525">
                     <a:solidFill>
                       <a:srgbClr val="000000"/>
                     </a:solidFill>
@@ -10329,7 +10334,7 @@
               </a:ln>
               <a:extLst>
                 <a:ext uri="{91240B29-F687-4f45-9708-019B960494DF}">
-                  <a14:hiddenLine xmlns:a14="http://schemas.microsoft.com/office/drawing/2010/main" xmlns="" w="9525">
+                  <a14:hiddenLine xmlns="" xmlns:a14="http://schemas.microsoft.com/office/drawing/2010/main" w="9525">
                     <a:solidFill>
                       <a:srgbClr val="000000"/>
                     </a:solidFill>
@@ -10419,7 +10424,7 @@
               </a:ln>
               <a:extLst>
                 <a:ext uri="{91240B29-F687-4f45-9708-019B960494DF}">
-                  <a14:hiddenLine xmlns:a14="http://schemas.microsoft.com/office/drawing/2010/main" xmlns="" w="9525">
+                  <a14:hiddenLine xmlns="" xmlns:a14="http://schemas.microsoft.com/office/drawing/2010/main" w="9525">
                     <a:solidFill>
                       <a:srgbClr val="000000"/>
                     </a:solidFill>
@@ -10481,7 +10486,7 @@
               </a:ln>
               <a:extLst>
                 <a:ext uri="{91240B29-F687-4f45-9708-019B960494DF}">
-                  <a14:hiddenLine xmlns:a14="http://schemas.microsoft.com/office/drawing/2010/main" xmlns="" w="9525">
+                  <a14:hiddenLine xmlns="" xmlns:a14="http://schemas.microsoft.com/office/drawing/2010/main" w="9525">
                     <a:solidFill>
                       <a:srgbClr val="000000"/>
                     </a:solidFill>
@@ -10571,7 +10576,7 @@
               </a:ln>
               <a:extLst>
                 <a:ext uri="{91240B29-F687-4f45-9708-019B960494DF}">
-                  <a14:hiddenLine xmlns:a14="http://schemas.microsoft.com/office/drawing/2010/main" xmlns="" w="9525">
+                  <a14:hiddenLine xmlns="" xmlns:a14="http://schemas.microsoft.com/office/drawing/2010/main" w="9525">
                     <a:solidFill>
                       <a:srgbClr val="000000"/>
                     </a:solidFill>
@@ -10636,7 +10641,7 @@
               </a:ln>
               <a:extLst>
                 <a:ext uri="{91240B29-F687-4f45-9708-019B960494DF}">
-                  <a14:hiddenLine xmlns:a14="http://schemas.microsoft.com/office/drawing/2010/main" xmlns="" w="9525">
+                  <a14:hiddenLine xmlns="" xmlns:a14="http://schemas.microsoft.com/office/drawing/2010/main" w="9525">
                     <a:solidFill>
                       <a:srgbClr val="000000"/>
                     </a:solidFill>
@@ -10698,7 +10703,7 @@
               </a:ln>
               <a:extLst>
                 <a:ext uri="{91240B29-F687-4f45-9708-019B960494DF}">
-                  <a14:hiddenLine xmlns:a14="http://schemas.microsoft.com/office/drawing/2010/main" xmlns="" w="9525">
+                  <a14:hiddenLine xmlns="" xmlns:a14="http://schemas.microsoft.com/office/drawing/2010/main" w="9525">
                     <a:solidFill>
                       <a:srgbClr val="000000"/>
                     </a:solidFill>
@@ -10788,7 +10793,7 @@
               </a:ln>
               <a:extLst>
                 <a:ext uri="{91240B29-F687-4f45-9708-019B960494DF}">
-                  <a14:hiddenLine xmlns:a14="http://schemas.microsoft.com/office/drawing/2010/main" xmlns="" w="9525">
+                  <a14:hiddenLine xmlns="" xmlns:a14="http://schemas.microsoft.com/office/drawing/2010/main" w="9525">
                     <a:solidFill>
                       <a:srgbClr val="000000"/>
                     </a:solidFill>
@@ -10878,7 +10883,7 @@
               </a:ln>
               <a:extLst>
                 <a:ext uri="{91240B29-F687-4f45-9708-019B960494DF}">
-                  <a14:hiddenLine xmlns:a14="http://schemas.microsoft.com/office/drawing/2010/main" xmlns="" w="9525">
+                  <a14:hiddenLine xmlns="" xmlns:a14="http://schemas.microsoft.com/office/drawing/2010/main" w="9525">
                     <a:solidFill>
                       <a:srgbClr val="000000"/>
                     </a:solidFill>
@@ -10943,7 +10948,7 @@
               </a:ln>
               <a:extLst>
                 <a:ext uri="{91240B29-F687-4f45-9708-019B960494DF}">
-                  <a14:hiddenLine xmlns:a14="http://schemas.microsoft.com/office/drawing/2010/main" xmlns="" w="9525">
+                  <a14:hiddenLine xmlns="" xmlns:a14="http://schemas.microsoft.com/office/drawing/2010/main" w="9525">
                     <a:solidFill>
                       <a:srgbClr val="000000"/>
                     </a:solidFill>
@@ -11063,7 +11068,7 @@
               </a:ln>
               <a:extLst>
                 <a:ext uri="{91240B29-F687-4f45-9708-019B960494DF}">
-                  <a14:hiddenLine xmlns:a14="http://schemas.microsoft.com/office/drawing/2010/main" xmlns="" w="9525">
+                  <a14:hiddenLine xmlns="" xmlns:a14="http://schemas.microsoft.com/office/drawing/2010/main" w="9525">
                     <a:solidFill>
                       <a:srgbClr val="000000"/>
                     </a:solidFill>
@@ -11161,7 +11166,7 @@
               </a:ln>
               <a:extLst>
                 <a:ext uri="{91240B29-F687-4f45-9708-019B960494DF}">
-                  <a14:hiddenLine xmlns:a14="http://schemas.microsoft.com/office/drawing/2010/main" xmlns="" w="9525">
+                  <a14:hiddenLine xmlns="" xmlns:a14="http://schemas.microsoft.com/office/drawing/2010/main" w="9525">
                     <a:solidFill>
                       <a:srgbClr val="000000"/>
                     </a:solidFill>
@@ -11276,7 +11281,7 @@
               </a:ln>
               <a:extLst>
                 <a:ext uri="{91240B29-F687-4f45-9708-019B960494DF}">
-                  <a14:hiddenLine xmlns:a14="http://schemas.microsoft.com/office/drawing/2010/main" xmlns="" w="9525">
+                  <a14:hiddenLine xmlns="" xmlns:a14="http://schemas.microsoft.com/office/drawing/2010/main" w="9525">
                     <a:solidFill>
                       <a:srgbClr val="000000"/>
                     </a:solidFill>
@@ -11366,7 +11371,7 @@
               </a:ln>
               <a:extLst>
                 <a:ext uri="{91240B29-F687-4f45-9708-019B960494DF}">
-                  <a14:hiddenLine xmlns:a14="http://schemas.microsoft.com/office/drawing/2010/main" xmlns="" w="9525">
+                  <a14:hiddenLine xmlns="" xmlns:a14="http://schemas.microsoft.com/office/drawing/2010/main" w="9525">
                     <a:solidFill>
                       <a:srgbClr val="000000"/>
                     </a:solidFill>
@@ -11431,7 +11436,7 @@
               </a:ln>
               <a:extLst>
                 <a:ext uri="{91240B29-F687-4f45-9708-019B960494DF}">
-                  <a14:hiddenLine xmlns:a14="http://schemas.microsoft.com/office/drawing/2010/main" xmlns="" w="9525">
+                  <a14:hiddenLine xmlns="" xmlns:a14="http://schemas.microsoft.com/office/drawing/2010/main" w="9525">
                     <a:solidFill>
                       <a:srgbClr val="000000"/>
                     </a:solidFill>
@@ -11521,7 +11526,7 @@
               </a:ln>
               <a:extLst>
                 <a:ext uri="{91240B29-F687-4f45-9708-019B960494DF}">
-                  <a14:hiddenLine xmlns:a14="http://schemas.microsoft.com/office/drawing/2010/main" xmlns="" w="9525">
+                  <a14:hiddenLine xmlns="" xmlns:a14="http://schemas.microsoft.com/office/drawing/2010/main" w="9525">
                     <a:solidFill>
                       <a:srgbClr val="000000"/>
                     </a:solidFill>
@@ -11589,7 +11594,7 @@
               </a:ln>
               <a:extLst>
                 <a:ext uri="{91240B29-F687-4f45-9708-019B960494DF}">
-                  <a14:hiddenLine xmlns:a14="http://schemas.microsoft.com/office/drawing/2010/main" xmlns="" w="9525">
+                  <a14:hiddenLine xmlns="" xmlns:a14="http://schemas.microsoft.com/office/drawing/2010/main" w="9525">
                     <a:solidFill>
                       <a:srgbClr val="000000"/>
                     </a:solidFill>
@@ -11679,7 +11684,7 @@
               </a:ln>
               <a:extLst>
                 <a:ext uri="{91240B29-F687-4f45-9708-019B960494DF}">
-                  <a14:hiddenLine xmlns:a14="http://schemas.microsoft.com/office/drawing/2010/main" xmlns="" w="9525">
+                  <a14:hiddenLine xmlns="" xmlns:a14="http://schemas.microsoft.com/office/drawing/2010/main" w="9525">
                     <a:solidFill>
                       <a:srgbClr val="000000"/>
                     </a:solidFill>
@@ -11747,7 +11752,7 @@
               </a:ln>
               <a:extLst>
                 <a:ext uri="{91240B29-F687-4f45-9708-019B960494DF}">
-                  <a14:hiddenLine xmlns:a14="http://schemas.microsoft.com/office/drawing/2010/main" xmlns="" w="9525">
+                  <a14:hiddenLine xmlns="" xmlns:a14="http://schemas.microsoft.com/office/drawing/2010/main" w="9525">
                     <a:solidFill>
                       <a:srgbClr val="000000"/>
                     </a:solidFill>
@@ -11837,7 +11842,7 @@
               </a:ln>
               <a:extLst>
                 <a:ext uri="{91240B29-F687-4f45-9708-019B960494DF}">
-                  <a14:hiddenLine xmlns:a14="http://schemas.microsoft.com/office/drawing/2010/main" xmlns="" w="9525">
+                  <a14:hiddenLine xmlns="" xmlns:a14="http://schemas.microsoft.com/office/drawing/2010/main" w="9525">
                     <a:solidFill>
                       <a:srgbClr val="000000"/>
                     </a:solidFill>
@@ -11871,7 +11876,7 @@
               </a:ln>
               <a:extLst>
                 <a:ext uri="{91240B29-F687-4f45-9708-019B960494DF}">
-                  <a14:hiddenLine xmlns:a14="http://schemas.microsoft.com/office/drawing/2010/main" xmlns="" w="9525">
+                  <a14:hiddenLine xmlns="" xmlns:a14="http://schemas.microsoft.com/office/drawing/2010/main" w="9525">
                     <a:solidFill>
                       <a:srgbClr val="000000"/>
                     </a:solidFill>
@@ -12445,8 +12450,8 @@
         </p:nvSpPr>
         <p:spPr>
           <a:xfrm>
-            <a:off x="3216925" y="407624"/>
-            <a:ext cx="3106757" cy="2585323"/>
+            <a:off x="7288182" y="1670366"/>
+            <a:ext cx="3106757" cy="2677656"/>
           </a:xfrm>
           <a:prstGeom prst="rect">
             <a:avLst/>
@@ -12460,27 +12465,57 @@
           <a:lstStyle/>
           <a:p>
             <a:r>
-              <a:rPr lang="en-US" dirty="0"/>
-              <a:t>To launch Spyder: Use the Spyder (spyder) icon on the desktop</a:t>
+              <a:rPr lang="en-US" sz="2000" b="1" dirty="0">
+                <a:solidFill>
+                  <a:schemeClr val="bg1"/>
+                </a:solidFill>
+              </a:rPr>
+              <a:t>To launch Spyder: </a:t>
             </a:r>
           </a:p>
           <a:p>
             <a:r>
-              <a:rPr lang="en-US" dirty="0"/>
+              <a:rPr lang="en-US" dirty="0">
+                <a:solidFill>
+                  <a:schemeClr val="bg1"/>
+                </a:solidFill>
+              </a:rPr>
+              <a:t>Use the Spyder (spyder) icon on the desktop</a:t>
+            </a:r>
+          </a:p>
+          <a:p>
+            <a:r>
+              <a:rPr lang="en-US" sz="2000" b="1" dirty="0">
+                <a:solidFill>
+                  <a:schemeClr val="bg1"/>
+                </a:solidFill>
+              </a:rPr>
               <a:t>To launch </a:t>
             </a:r>
             <a:r>
-              <a:rPr lang="en-US" dirty="0" err="1"/>
+              <a:rPr lang="en-US" sz="2000" b="1" dirty="0" err="1">
+                <a:solidFill>
+                  <a:schemeClr val="bg1"/>
+                </a:solidFill>
+              </a:rPr>
               <a:t>Jupyter</a:t>
             </a:r>
             <a:r>
-              <a:rPr lang="en-US" dirty="0"/>
+              <a:rPr lang="en-US" sz="2000" b="1" dirty="0">
+                <a:solidFill>
+                  <a:schemeClr val="bg1"/>
+                </a:solidFill>
+              </a:rPr>
               <a:t>:</a:t>
             </a:r>
           </a:p>
           <a:p>
             <a:r>
-              <a:rPr lang="en-US" dirty="0"/>
+              <a:rPr lang="en-US" dirty="0">
+                <a:solidFill>
+                  <a:schemeClr val="bg1"/>
+                </a:solidFill>
+              </a:rPr>
               <a:t> - Double click on “mini-forge prompt” on the desktop</a:t>
             </a:r>
           </a:p>
@@ -12490,15 +12525,27 @@
               <a:buChar char="-"/>
             </a:pPr>
             <a:r>
-              <a:rPr lang="en-US" dirty="0"/>
+              <a:rPr lang="en-US" dirty="0">
+                <a:solidFill>
+                  <a:schemeClr val="bg1"/>
+                </a:solidFill>
+              </a:rPr>
               <a:t>Type “</a:t>
             </a:r>
             <a:r>
-              <a:rPr lang="en-US" dirty="0" err="1"/>
+              <a:rPr lang="en-US" dirty="0" err="1">
+                <a:solidFill>
+                  <a:schemeClr val="bg1"/>
+                </a:solidFill>
+              </a:rPr>
               <a:t>conda</a:t>
             </a:r>
             <a:r>
-              <a:rPr lang="en-US" dirty="0"/>
+              <a:rPr lang="en-US" dirty="0">
+                <a:solidFill>
+                  <a:schemeClr val="bg1"/>
+                </a:solidFill>
+              </a:rPr>
               <a:t> activate spyder”</a:t>
             </a:r>
           </a:p>
@@ -12508,15 +12555,27 @@
               <a:buChar char="-"/>
             </a:pPr>
             <a:r>
-              <a:rPr lang="en-US" dirty="0"/>
+              <a:rPr lang="en-US" dirty="0">
+                <a:solidFill>
+                  <a:schemeClr val="bg1"/>
+                </a:solidFill>
+              </a:rPr>
               <a:t>Type “</a:t>
             </a:r>
             <a:r>
-              <a:rPr lang="en-US" dirty="0" err="1"/>
-              <a:t>Jupyter</a:t>
+              <a:rPr lang="en-US" dirty="0" err="1">
+                <a:solidFill>
+                  <a:schemeClr val="bg1"/>
+                </a:solidFill>
+              </a:rPr>
+              <a:t>jupyter</a:t>
             </a:r>
             <a:r>
-              <a:rPr lang="en-US" dirty="0"/>
+              <a:rPr lang="en-US" dirty="0">
+                <a:solidFill>
+                  <a:schemeClr val="bg1"/>
+                </a:solidFill>
+              </a:rPr>
               <a:t> lab”</a:t>
             </a:r>
           </a:p>
@@ -12536,8 +12595,8 @@
         </p:nvSpPr>
         <p:spPr>
           <a:xfrm>
-            <a:off x="7138930" y="782198"/>
-            <a:ext cx="3459297" cy="2585323"/>
+            <a:off x="3483429" y="1670367"/>
+            <a:ext cx="3459297" cy="3754874"/>
           </a:xfrm>
           <a:prstGeom prst="rect">
             <a:avLst/>
@@ -12551,40 +12610,125 @@
           <a:lstStyle/>
           <a:p>
             <a:r>
-              <a:rPr lang="en-US" dirty="0"/>
+              <a:rPr lang="en-US" sz="2000" b="1" dirty="0">
+                <a:solidFill>
+                  <a:schemeClr val="bg1"/>
+                </a:solidFill>
+              </a:rPr>
               <a:t>Rules for using </a:t>
             </a:r>
             <a:r>
-              <a:rPr lang="en-US" dirty="0" err="1"/>
+              <a:rPr lang="en-US" sz="2000" b="1" dirty="0" err="1">
+                <a:solidFill>
+                  <a:schemeClr val="bg1"/>
+                </a:solidFill>
+              </a:rPr>
               <a:t>Pchem</a:t>
             </a:r>
             <a:r>
-              <a:rPr lang="en-US" dirty="0"/>
+              <a:rPr lang="en-US" sz="2000" b="1" dirty="0">
+                <a:solidFill>
+                  <a:schemeClr val="bg1"/>
+                </a:solidFill>
+              </a:rPr>
               <a:t> Lab Computers</a:t>
             </a:r>
           </a:p>
           <a:p>
             <a:r>
-              <a:rPr lang="en-US" dirty="0"/>
+              <a:rPr lang="en-US" dirty="0">
+                <a:solidFill>
+                  <a:schemeClr val="bg1"/>
+                </a:solidFill>
+              </a:rPr>
               <a:t> - Do not install software</a:t>
             </a:r>
           </a:p>
           <a:p>
             <a:r>
-              <a:rPr lang="en-US" dirty="0"/>
+              <a:rPr lang="en-US" dirty="0">
+                <a:solidFill>
+                  <a:schemeClr val="bg1"/>
+                </a:solidFill>
+              </a:rPr>
               <a:t> - Log out of your web accounts before you leave</a:t>
             </a:r>
           </a:p>
           <a:p>
             <a:r>
-              <a:rPr lang="en-US" dirty="0"/>
+              <a:rPr lang="en-US" dirty="0">
+                <a:solidFill>
+                  <a:schemeClr val="bg1"/>
+                </a:solidFill>
+              </a:rPr>
               <a:t> - Do not change themes/appearance/settings</a:t>
             </a:r>
           </a:p>
           <a:p>
             <a:r>
-              <a:rPr lang="en-US" dirty="0"/>
+              <a:rPr lang="en-US" dirty="0">
+                <a:solidFill>
+                  <a:schemeClr val="bg1"/>
+                </a:solidFill>
+              </a:rPr>
               <a:t> - You are a guest here. Tread lightly.</a:t>
+            </a:r>
+          </a:p>
+          <a:p>
+            <a:r>
+              <a:rPr lang="en-US" dirty="0">
+                <a:solidFill>
+                  <a:schemeClr val="bg1"/>
+                </a:solidFill>
+              </a:rPr>
+              <a:t>- Local files are cleaned off periodically without warning. Save your files to the cloud before you leave.</a:t>
+            </a:r>
+          </a:p>
+        </p:txBody>
+      </p:sp>
+      <p:sp>
+        <p:nvSpPr>
+          <p:cNvPr id="2" name="TextBox 1">
+            <a:extLst>
+              <a:ext uri="{FF2B5EF4-FFF2-40B4-BE49-F238E27FC236}">
+                <a16:creationId xmlns:a16="http://schemas.microsoft.com/office/drawing/2014/main" id="{3D130470-355B-B2FE-B18B-F051E2DDE1B3}"/>
+              </a:ext>
+            </a:extLst>
+          </p:cNvPr>
+          <p:cNvSpPr txBox="1"/>
+          <p:nvPr/>
+        </p:nvSpPr>
+        <p:spPr>
+          <a:xfrm>
+            <a:off x="3483429" y="718457"/>
+            <a:ext cx="5043368" cy="769441"/>
+          </a:xfrm>
+          <a:prstGeom prst="rect">
+            <a:avLst/>
+          </a:prstGeom>
+          <a:noFill/>
+        </p:spPr>
+        <p:txBody>
+          <a:bodyPr wrap="none" rtlCol="0">
+            <a:spAutoFit/>
+          </a:bodyPr>
+          <a:lstStyle/>
+          <a:p>
+            <a:r>
+              <a:rPr lang="en-US" sz="4400" dirty="0" err="1">
+                <a:solidFill>
+                  <a:schemeClr val="bg1"/>
+                </a:solidFill>
+              </a:rPr>
+              <a:t>PChem</a:t>
+            </a:r>
+            <a:r>
+              <a:rPr lang="en-US" sz="4400" dirty="0">
+                <a:solidFill>
+                  <a:schemeClr val="bg1"/>
+                </a:solidFill>
+              </a:rPr>
+              <a:t> Lab Computer</a:t>
             </a:r>
           </a:p>
         </p:txBody>

--- a/lap computer background.pptx
+++ b/lap computer background.pptx
@@ -162,7 +162,7 @@
           <a:noFill/>
           <a:extLst>
             <a:ext uri="{909E8E84-426E-40dd-AFC4-6F175D3DCCD1}">
-              <a14:hiddenFill xmlns="" xmlns:a14="http://schemas.microsoft.com/office/drawing/2010/main">
+              <a14:hiddenFill xmlns:a14="http://schemas.microsoft.com/office/drawing/2010/main" xmlns="">
                 <a:solidFill>
                   <a:srgbClr val="FFFFFF"/>
                 </a:solidFill>
@@ -222,7 +222,7 @@
             </a:ln>
             <a:extLst>
               <a:ext uri="{91240B29-F687-4f45-9708-019B960494DF}">
-                <a14:hiddenLine xmlns="" xmlns:a14="http://schemas.microsoft.com/office/drawing/2010/main" w="9525">
+                <a14:hiddenLine xmlns:a14="http://schemas.microsoft.com/office/drawing/2010/main" xmlns="" w="9525">
                   <a:solidFill>
                     <a:srgbClr val="000000"/>
                   </a:solidFill>
@@ -312,7 +312,7 @@
             </a:ln>
             <a:extLst>
               <a:ext uri="{91240B29-F687-4f45-9708-019B960494DF}">
-                <a14:hiddenLine xmlns="" xmlns:a14="http://schemas.microsoft.com/office/drawing/2010/main" w="9525">
+                <a14:hiddenLine xmlns:a14="http://schemas.microsoft.com/office/drawing/2010/main" xmlns="" w="9525">
                   <a:solidFill>
                     <a:srgbClr val="000000"/>
                   </a:solidFill>
@@ -402,7 +402,7 @@
             </a:ln>
             <a:extLst>
               <a:ext uri="{91240B29-F687-4f45-9708-019B960494DF}">
-                <a14:hiddenLine xmlns="" xmlns:a14="http://schemas.microsoft.com/office/drawing/2010/main" w="9525">
+                <a14:hiddenLine xmlns:a14="http://schemas.microsoft.com/office/drawing/2010/main" xmlns="" w="9525">
                   <a:solidFill>
                     <a:srgbClr val="000000"/>
                   </a:solidFill>
@@ -436,7 +436,7 @@
             </a:ln>
             <a:extLst>
               <a:ext uri="{91240B29-F687-4f45-9708-019B960494DF}">
-                <a14:hiddenLine xmlns="" xmlns:a14="http://schemas.microsoft.com/office/drawing/2010/main" w="9525">
+                <a14:hiddenLine xmlns:a14="http://schemas.microsoft.com/office/drawing/2010/main" xmlns="" w="9525">
                   <a:solidFill>
                     <a:srgbClr val="000000"/>
                   </a:solidFill>
@@ -526,7 +526,7 @@
             </a:ln>
             <a:extLst>
               <a:ext uri="{91240B29-F687-4f45-9708-019B960494DF}">
-                <a14:hiddenLine xmlns="" xmlns:a14="http://schemas.microsoft.com/office/drawing/2010/main" w="9525">
+                <a14:hiddenLine xmlns:a14="http://schemas.microsoft.com/office/drawing/2010/main" xmlns="" w="9525">
                   <a:solidFill>
                     <a:srgbClr val="000000"/>
                   </a:solidFill>
@@ -588,7 +588,7 @@
             </a:ln>
             <a:extLst>
               <a:ext uri="{91240B29-F687-4f45-9708-019B960494DF}">
-                <a14:hiddenLine xmlns="" xmlns:a14="http://schemas.microsoft.com/office/drawing/2010/main" w="9525">
+                <a14:hiddenLine xmlns:a14="http://schemas.microsoft.com/office/drawing/2010/main" xmlns="" w="9525">
                   <a:solidFill>
                     <a:srgbClr val="000000"/>
                   </a:solidFill>
@@ -650,7 +650,7 @@
             </a:ln>
             <a:extLst>
               <a:ext uri="{91240B29-F687-4f45-9708-019B960494DF}">
-                <a14:hiddenLine xmlns="" xmlns:a14="http://schemas.microsoft.com/office/drawing/2010/main" w="9525">
+                <a14:hiddenLine xmlns:a14="http://schemas.microsoft.com/office/drawing/2010/main" xmlns="" w="9525">
                   <a:solidFill>
                     <a:srgbClr val="000000"/>
                   </a:solidFill>
@@ -740,7 +740,7 @@
             </a:ln>
             <a:extLst>
               <a:ext uri="{91240B29-F687-4f45-9708-019B960494DF}">
-                <a14:hiddenLine xmlns="" xmlns:a14="http://schemas.microsoft.com/office/drawing/2010/main" w="9525">
+                <a14:hiddenLine xmlns:a14="http://schemas.microsoft.com/office/drawing/2010/main" xmlns="" w="9525">
                   <a:solidFill>
                     <a:srgbClr val="000000"/>
                   </a:solidFill>
@@ -802,7 +802,7 @@
             </a:ln>
             <a:extLst>
               <a:ext uri="{91240B29-F687-4f45-9708-019B960494DF}">
-                <a14:hiddenLine xmlns="" xmlns:a14="http://schemas.microsoft.com/office/drawing/2010/main" w="9525">
+                <a14:hiddenLine xmlns:a14="http://schemas.microsoft.com/office/drawing/2010/main" xmlns="" w="9525">
                   <a:solidFill>
                     <a:srgbClr val="000000"/>
                   </a:solidFill>
@@ -864,7 +864,7 @@
             </a:ln>
             <a:extLst>
               <a:ext uri="{91240B29-F687-4f45-9708-019B960494DF}">
-                <a14:hiddenLine xmlns="" xmlns:a14="http://schemas.microsoft.com/office/drawing/2010/main" w="9525">
+                <a14:hiddenLine xmlns:a14="http://schemas.microsoft.com/office/drawing/2010/main" xmlns="" w="9525">
                   <a:solidFill>
                     <a:srgbClr val="000000"/>
                   </a:solidFill>
@@ -954,7 +954,7 @@
             </a:ln>
             <a:extLst>
               <a:ext uri="{91240B29-F687-4f45-9708-019B960494DF}">
-                <a14:hiddenLine xmlns="" xmlns:a14="http://schemas.microsoft.com/office/drawing/2010/main" w="9525">
+                <a14:hiddenLine xmlns:a14="http://schemas.microsoft.com/office/drawing/2010/main" xmlns="" w="9525">
                   <a:solidFill>
                     <a:srgbClr val="000000"/>
                   </a:solidFill>
@@ -1044,7 +1044,7 @@
             </a:ln>
             <a:extLst>
               <a:ext uri="{91240B29-F687-4f45-9708-019B960494DF}">
-                <a14:hiddenLine xmlns="" xmlns:a14="http://schemas.microsoft.com/office/drawing/2010/main" w="9525">
+                <a14:hiddenLine xmlns:a14="http://schemas.microsoft.com/office/drawing/2010/main" xmlns="" w="9525">
                   <a:solidFill>
                     <a:srgbClr val="000000"/>
                   </a:solidFill>
@@ -1106,7 +1106,7 @@
             </a:ln>
             <a:extLst>
               <a:ext uri="{91240B29-F687-4f45-9708-019B960494DF}">
-                <a14:hiddenLine xmlns="" xmlns:a14="http://schemas.microsoft.com/office/drawing/2010/main" w="9525">
+                <a14:hiddenLine xmlns:a14="http://schemas.microsoft.com/office/drawing/2010/main" xmlns="" w="9525">
                   <a:solidFill>
                     <a:srgbClr val="000000"/>
                   </a:solidFill>
@@ -1216,7 +1216,7 @@
             </a:ln>
             <a:extLst>
               <a:ext uri="{91240B29-F687-4f45-9708-019B960494DF}">
-                <a14:hiddenLine xmlns="" xmlns:a14="http://schemas.microsoft.com/office/drawing/2010/main" w="9525">
+                <a14:hiddenLine xmlns:a14="http://schemas.microsoft.com/office/drawing/2010/main" xmlns="" w="9525">
                   <a:solidFill>
                     <a:srgbClr val="000000"/>
                   </a:solidFill>
@@ -1278,7 +1278,7 @@
             </a:ln>
             <a:extLst>
               <a:ext uri="{91240B29-F687-4f45-9708-019B960494DF}">
-                <a14:hiddenLine xmlns="" xmlns:a14="http://schemas.microsoft.com/office/drawing/2010/main" w="9525">
+                <a14:hiddenLine xmlns:a14="http://schemas.microsoft.com/office/drawing/2010/main" xmlns="" w="9525">
                   <a:solidFill>
                     <a:srgbClr val="000000"/>
                   </a:solidFill>
@@ -1368,7 +1368,7 @@
             </a:ln>
             <a:extLst>
               <a:ext uri="{91240B29-F687-4f45-9708-019B960494DF}">
-                <a14:hiddenLine xmlns="" xmlns:a14="http://schemas.microsoft.com/office/drawing/2010/main" w="9525">
+                <a14:hiddenLine xmlns:a14="http://schemas.microsoft.com/office/drawing/2010/main" xmlns="" w="9525">
                   <a:solidFill>
                     <a:srgbClr val="000000"/>
                   </a:solidFill>
@@ -1458,7 +1458,7 @@
             </a:ln>
             <a:extLst>
               <a:ext uri="{91240B29-F687-4f45-9708-019B960494DF}">
-                <a14:hiddenLine xmlns="" xmlns:a14="http://schemas.microsoft.com/office/drawing/2010/main" w="9525">
+                <a14:hiddenLine xmlns:a14="http://schemas.microsoft.com/office/drawing/2010/main" xmlns="" w="9525">
                   <a:solidFill>
                     <a:srgbClr val="000000"/>
                   </a:solidFill>
@@ -1520,7 +1520,7 @@
             </a:ln>
             <a:extLst>
               <a:ext uri="{91240B29-F687-4f45-9708-019B960494DF}">
-                <a14:hiddenLine xmlns="" xmlns:a14="http://schemas.microsoft.com/office/drawing/2010/main" w="9525">
+                <a14:hiddenLine xmlns:a14="http://schemas.microsoft.com/office/drawing/2010/main" xmlns="" w="9525">
                   <a:solidFill>
                     <a:srgbClr val="000000"/>
                   </a:solidFill>
@@ -1610,7 +1610,7 @@
             </a:ln>
             <a:extLst>
               <a:ext uri="{91240B29-F687-4f45-9708-019B960494DF}">
-                <a14:hiddenLine xmlns="" xmlns:a14="http://schemas.microsoft.com/office/drawing/2010/main" w="9525">
+                <a14:hiddenLine xmlns:a14="http://schemas.microsoft.com/office/drawing/2010/main" xmlns="" w="9525">
                   <a:solidFill>
                     <a:srgbClr val="000000"/>
                   </a:solidFill>
@@ -1700,7 +1700,7 @@
             </a:ln>
             <a:extLst>
               <a:ext uri="{91240B29-F687-4f45-9708-019B960494DF}">
-                <a14:hiddenLine xmlns="" xmlns:a14="http://schemas.microsoft.com/office/drawing/2010/main" w="9525">
+                <a14:hiddenLine xmlns:a14="http://schemas.microsoft.com/office/drawing/2010/main" xmlns="" w="9525">
                   <a:solidFill>
                     <a:srgbClr val="000000"/>
                   </a:solidFill>
@@ -1756,7 +1756,7 @@
             </a:ln>
             <a:extLst>
               <a:ext uri="{91240B29-F687-4f45-9708-019B960494DF}">
-                <a14:hiddenLine xmlns="" xmlns:a14="http://schemas.microsoft.com/office/drawing/2010/main" w="9525">
+                <a14:hiddenLine xmlns:a14="http://schemas.microsoft.com/office/drawing/2010/main" xmlns="" w="9525">
                   <a:solidFill>
                     <a:srgbClr val="000000"/>
                   </a:solidFill>
@@ -1846,7 +1846,7 @@
             </a:ln>
             <a:extLst>
               <a:ext uri="{91240B29-F687-4f45-9708-019B960494DF}">
-                <a14:hiddenLine xmlns="" xmlns:a14="http://schemas.microsoft.com/office/drawing/2010/main" w="9525">
+                <a14:hiddenLine xmlns:a14="http://schemas.microsoft.com/office/drawing/2010/main" xmlns="" w="9525">
                   <a:solidFill>
                     <a:srgbClr val="000000"/>
                   </a:solidFill>
@@ -1902,7 +1902,7 @@
             </a:ln>
             <a:extLst>
               <a:ext uri="{91240B29-F687-4f45-9708-019B960494DF}">
-                <a14:hiddenLine xmlns="" xmlns:a14="http://schemas.microsoft.com/office/drawing/2010/main" w="9525">
+                <a14:hiddenLine xmlns:a14="http://schemas.microsoft.com/office/drawing/2010/main" xmlns="" w="9525">
                   <a:solidFill>
                     <a:srgbClr val="000000"/>
                   </a:solidFill>
@@ -1992,7 +1992,7 @@
             </a:ln>
             <a:extLst>
               <a:ext uri="{91240B29-F687-4f45-9708-019B960494DF}">
-                <a14:hiddenLine xmlns="" xmlns:a14="http://schemas.microsoft.com/office/drawing/2010/main" w="9525">
+                <a14:hiddenLine xmlns:a14="http://schemas.microsoft.com/office/drawing/2010/main" xmlns="" w="9525">
                   <a:solidFill>
                     <a:srgbClr val="000000"/>
                   </a:solidFill>
@@ -2060,7 +2060,7 @@
             </a:ln>
             <a:extLst>
               <a:ext uri="{91240B29-F687-4f45-9708-019B960494DF}">
-                <a14:hiddenLine xmlns="" xmlns:a14="http://schemas.microsoft.com/office/drawing/2010/main" w="9525">
+                <a14:hiddenLine xmlns:a14="http://schemas.microsoft.com/office/drawing/2010/main" xmlns="" w="9525">
                   <a:solidFill>
                     <a:srgbClr val="000000"/>
                   </a:solidFill>
@@ -2150,7 +2150,7 @@
             </a:ln>
             <a:extLst>
               <a:ext uri="{91240B29-F687-4f45-9708-019B960494DF}">
-                <a14:hiddenLine xmlns="" xmlns:a14="http://schemas.microsoft.com/office/drawing/2010/main" w="9525">
+                <a14:hiddenLine xmlns:a14="http://schemas.microsoft.com/office/drawing/2010/main" xmlns="" w="9525">
                   <a:solidFill>
                     <a:srgbClr val="000000"/>
                   </a:solidFill>
@@ -2218,7 +2218,7 @@
             </a:ln>
             <a:extLst>
               <a:ext uri="{91240B29-F687-4f45-9708-019B960494DF}">
-                <a14:hiddenLine xmlns="" xmlns:a14="http://schemas.microsoft.com/office/drawing/2010/main" w="9525">
+                <a14:hiddenLine xmlns:a14="http://schemas.microsoft.com/office/drawing/2010/main" xmlns="" w="9525">
                   <a:solidFill>
                     <a:srgbClr val="000000"/>
                   </a:solidFill>
@@ -2308,7 +2308,7 @@
             </a:ln>
             <a:extLst>
               <a:ext uri="{91240B29-F687-4f45-9708-019B960494DF}">
-                <a14:hiddenLine xmlns="" xmlns:a14="http://schemas.microsoft.com/office/drawing/2010/main" w="9525">
+                <a14:hiddenLine xmlns:a14="http://schemas.microsoft.com/office/drawing/2010/main" xmlns="" w="9525">
                   <a:solidFill>
                     <a:srgbClr val="000000"/>
                   </a:solidFill>
@@ -2342,7 +2342,7 @@
             </a:ln>
             <a:extLst>
               <a:ext uri="{91240B29-F687-4f45-9708-019B960494DF}">
-                <a14:hiddenLine xmlns="" xmlns:a14="http://schemas.microsoft.com/office/drawing/2010/main" w="9525">
+                <a14:hiddenLine xmlns:a14="http://schemas.microsoft.com/office/drawing/2010/main" xmlns="" w="9525">
                   <a:solidFill>
                     <a:srgbClr val="000000"/>
                   </a:solidFill>
@@ -2432,7 +2432,7 @@
             </a:ln>
             <a:extLst>
               <a:ext uri="{91240B29-F687-4f45-9708-019B960494DF}">
-                <a14:hiddenLine xmlns="" xmlns:a14="http://schemas.microsoft.com/office/drawing/2010/main" w="9525">
+                <a14:hiddenLine xmlns:a14="http://schemas.microsoft.com/office/drawing/2010/main" xmlns="" w="9525">
                   <a:solidFill>
                     <a:srgbClr val="000000"/>
                   </a:solidFill>
@@ -2494,7 +2494,7 @@
             </a:ln>
             <a:extLst>
               <a:ext uri="{91240B29-F687-4f45-9708-019B960494DF}">
-                <a14:hiddenLine xmlns="" xmlns:a14="http://schemas.microsoft.com/office/drawing/2010/main" w="9525">
+                <a14:hiddenLine xmlns:a14="http://schemas.microsoft.com/office/drawing/2010/main" xmlns="" w="9525">
                   <a:solidFill>
                     <a:srgbClr val="000000"/>
                   </a:solidFill>
@@ -2556,7 +2556,7 @@
             </a:ln>
             <a:extLst>
               <a:ext uri="{91240B29-F687-4f45-9708-019B960494DF}">
-                <a14:hiddenLine xmlns="" xmlns:a14="http://schemas.microsoft.com/office/drawing/2010/main" w="9525">
+                <a14:hiddenLine xmlns:a14="http://schemas.microsoft.com/office/drawing/2010/main" xmlns="" w="9525">
                   <a:solidFill>
                     <a:srgbClr val="000000"/>
                   </a:solidFill>
@@ -2646,7 +2646,7 @@
             </a:ln>
             <a:extLst>
               <a:ext uri="{91240B29-F687-4f45-9708-019B960494DF}">
-                <a14:hiddenLine xmlns="" xmlns:a14="http://schemas.microsoft.com/office/drawing/2010/main" w="9525">
+                <a14:hiddenLine xmlns:a14="http://schemas.microsoft.com/office/drawing/2010/main" xmlns="" w="9525">
                   <a:solidFill>
                     <a:srgbClr val="000000"/>
                   </a:solidFill>
@@ -2714,7 +2714,7 @@
             </a:ln>
             <a:extLst>
               <a:ext uri="{91240B29-F687-4f45-9708-019B960494DF}">
-                <a14:hiddenLine xmlns="" xmlns:a14="http://schemas.microsoft.com/office/drawing/2010/main" w="9525">
+                <a14:hiddenLine xmlns:a14="http://schemas.microsoft.com/office/drawing/2010/main" xmlns="" w="9525">
                   <a:solidFill>
                     <a:srgbClr val="000000"/>
                   </a:solidFill>
@@ -2776,7 +2776,7 @@
             </a:ln>
             <a:extLst>
               <a:ext uri="{91240B29-F687-4f45-9708-019B960494DF}">
-                <a14:hiddenLine xmlns="" xmlns:a14="http://schemas.microsoft.com/office/drawing/2010/main" w="9525">
+                <a14:hiddenLine xmlns:a14="http://schemas.microsoft.com/office/drawing/2010/main" xmlns="" w="9525">
                   <a:solidFill>
                     <a:srgbClr val="000000"/>
                   </a:solidFill>
@@ -2866,7 +2866,7 @@
             </a:ln>
             <a:extLst>
               <a:ext uri="{91240B29-F687-4f45-9708-019B960494DF}">
-                <a14:hiddenLine xmlns="" xmlns:a14="http://schemas.microsoft.com/office/drawing/2010/main" w="9525">
+                <a14:hiddenLine xmlns:a14="http://schemas.microsoft.com/office/drawing/2010/main" xmlns="" w="9525">
                   <a:solidFill>
                     <a:srgbClr val="000000"/>
                   </a:solidFill>
@@ -2928,7 +2928,7 @@
             </a:ln>
             <a:extLst>
               <a:ext uri="{91240B29-F687-4f45-9708-019B960494DF}">
-                <a14:hiddenLine xmlns="" xmlns:a14="http://schemas.microsoft.com/office/drawing/2010/main" w="9525">
+                <a14:hiddenLine xmlns:a14="http://schemas.microsoft.com/office/drawing/2010/main" xmlns="" w="9525">
                   <a:solidFill>
                     <a:srgbClr val="000000"/>
                   </a:solidFill>
@@ -3018,7 +3018,7 @@
             </a:ln>
             <a:extLst>
               <a:ext uri="{91240B29-F687-4f45-9708-019B960494DF}">
-                <a14:hiddenLine xmlns="" xmlns:a14="http://schemas.microsoft.com/office/drawing/2010/main" w="9525">
+                <a14:hiddenLine xmlns:a14="http://schemas.microsoft.com/office/drawing/2010/main" xmlns="" w="9525">
                   <a:solidFill>
                     <a:srgbClr val="000000"/>
                   </a:solidFill>
@@ -3080,7 +3080,7 @@
             </a:ln>
             <a:extLst>
               <a:ext uri="{91240B29-F687-4f45-9708-019B960494DF}">
-                <a14:hiddenLine xmlns="" xmlns:a14="http://schemas.microsoft.com/office/drawing/2010/main" w="9525">
+                <a14:hiddenLine xmlns:a14="http://schemas.microsoft.com/office/drawing/2010/main" xmlns="" w="9525">
                   <a:solidFill>
                     <a:srgbClr val="000000"/>
                   </a:solidFill>
@@ -3170,7 +3170,7 @@
             </a:ln>
             <a:extLst>
               <a:ext uri="{91240B29-F687-4f45-9708-019B960494DF}">
-                <a14:hiddenLine xmlns="" xmlns:a14="http://schemas.microsoft.com/office/drawing/2010/main" w="9525">
+                <a14:hiddenLine xmlns:a14="http://schemas.microsoft.com/office/drawing/2010/main" xmlns="" w="9525">
                   <a:solidFill>
                     <a:srgbClr val="000000"/>
                   </a:solidFill>
@@ -3204,7 +3204,7 @@
             </a:ln>
             <a:extLst>
               <a:ext uri="{91240B29-F687-4f45-9708-019B960494DF}">
-                <a14:hiddenLine xmlns="" xmlns:a14="http://schemas.microsoft.com/office/drawing/2010/main" w="9525">
+                <a14:hiddenLine xmlns:a14="http://schemas.microsoft.com/office/drawing/2010/main" xmlns="" w="9525">
                   <a:solidFill>
                     <a:srgbClr val="000000"/>
                   </a:solidFill>
@@ -3269,7 +3269,7 @@
             </a:ln>
             <a:extLst>
               <a:ext uri="{91240B29-F687-4f45-9708-019B960494DF}">
-                <a14:hiddenLine xmlns="" xmlns:a14="http://schemas.microsoft.com/office/drawing/2010/main" w="9525">
+                <a14:hiddenLine xmlns:a14="http://schemas.microsoft.com/office/drawing/2010/main" xmlns="" w="9525">
                   <a:solidFill>
                     <a:srgbClr val="000000"/>
                   </a:solidFill>
@@ -3359,7 +3359,7 @@
             </a:ln>
             <a:extLst>
               <a:ext uri="{91240B29-F687-4f45-9708-019B960494DF}">
-                <a14:hiddenLine xmlns="" xmlns:a14="http://schemas.microsoft.com/office/drawing/2010/main" w="9525">
+                <a14:hiddenLine xmlns:a14="http://schemas.microsoft.com/office/drawing/2010/main" xmlns="" w="9525">
                   <a:solidFill>
                     <a:srgbClr val="000000"/>
                   </a:solidFill>
@@ -3421,7 +3421,7 @@
             </a:ln>
             <a:extLst>
               <a:ext uri="{91240B29-F687-4f45-9708-019B960494DF}">
-                <a14:hiddenLine xmlns="" xmlns:a14="http://schemas.microsoft.com/office/drawing/2010/main" w="9525">
+                <a14:hiddenLine xmlns:a14="http://schemas.microsoft.com/office/drawing/2010/main" xmlns="" w="9525">
                   <a:solidFill>
                     <a:srgbClr val="000000"/>
                   </a:solidFill>
@@ -3511,7 +3511,7 @@
             </a:ln>
             <a:extLst>
               <a:ext uri="{91240B29-F687-4f45-9708-019B960494DF}">
-                <a14:hiddenLine xmlns="" xmlns:a14="http://schemas.microsoft.com/office/drawing/2010/main" w="9525">
+                <a14:hiddenLine xmlns:a14="http://schemas.microsoft.com/office/drawing/2010/main" xmlns="" w="9525">
                   <a:solidFill>
                     <a:srgbClr val="000000"/>
                   </a:solidFill>
@@ -3601,7 +3601,7 @@
             </a:ln>
             <a:extLst>
               <a:ext uri="{91240B29-F687-4f45-9708-019B960494DF}">
-                <a14:hiddenLine xmlns="" xmlns:a14="http://schemas.microsoft.com/office/drawing/2010/main" w="9525">
+                <a14:hiddenLine xmlns:a14="http://schemas.microsoft.com/office/drawing/2010/main" xmlns="" w="9525">
                   <a:solidFill>
                     <a:srgbClr val="000000"/>
                   </a:solidFill>
@@ -3666,7 +3666,7 @@
             </a:ln>
             <a:extLst>
               <a:ext uri="{91240B29-F687-4f45-9708-019B960494DF}">
-                <a14:hiddenLine xmlns="" xmlns:a14="http://schemas.microsoft.com/office/drawing/2010/main" w="9525">
+                <a14:hiddenLine xmlns:a14="http://schemas.microsoft.com/office/drawing/2010/main" xmlns="" w="9525">
                   <a:solidFill>
                     <a:srgbClr val="000000"/>
                   </a:solidFill>
@@ -3728,7 +3728,7 @@
             </a:ln>
             <a:extLst>
               <a:ext uri="{91240B29-F687-4f45-9708-019B960494DF}">
-                <a14:hiddenLine xmlns="" xmlns:a14="http://schemas.microsoft.com/office/drawing/2010/main" w="9525">
+                <a14:hiddenLine xmlns:a14="http://schemas.microsoft.com/office/drawing/2010/main" xmlns="" w="9525">
                   <a:solidFill>
                     <a:srgbClr val="000000"/>
                   </a:solidFill>
@@ -3818,7 +3818,7 @@
             </a:ln>
             <a:extLst>
               <a:ext uri="{91240B29-F687-4f45-9708-019B960494DF}">
-                <a14:hiddenLine xmlns="" xmlns:a14="http://schemas.microsoft.com/office/drawing/2010/main" w="9525">
+                <a14:hiddenLine xmlns:a14="http://schemas.microsoft.com/office/drawing/2010/main" xmlns="" w="9525">
                   <a:solidFill>
                     <a:srgbClr val="000000"/>
                   </a:solidFill>
@@ -3908,7 +3908,7 @@
             </a:ln>
             <a:extLst>
               <a:ext uri="{91240B29-F687-4f45-9708-019B960494DF}">
-                <a14:hiddenLine xmlns="" xmlns:a14="http://schemas.microsoft.com/office/drawing/2010/main" w="9525">
+                <a14:hiddenLine xmlns:a14="http://schemas.microsoft.com/office/drawing/2010/main" xmlns="" w="9525">
                   <a:solidFill>
                     <a:srgbClr val="000000"/>
                   </a:solidFill>
@@ -3970,7 +3970,7 @@
             </a:ln>
             <a:extLst>
               <a:ext uri="{91240B29-F687-4f45-9708-019B960494DF}">
-                <a14:hiddenLine xmlns="" xmlns:a14="http://schemas.microsoft.com/office/drawing/2010/main" w="9525">
+                <a14:hiddenLine xmlns:a14="http://schemas.microsoft.com/office/drawing/2010/main" xmlns="" w="9525">
                   <a:solidFill>
                     <a:srgbClr val="000000"/>
                   </a:solidFill>
@@ -4090,7 +4090,7 @@
             </a:ln>
             <a:extLst>
               <a:ext uri="{91240B29-F687-4f45-9708-019B960494DF}">
-                <a14:hiddenLine xmlns="" xmlns:a14="http://schemas.microsoft.com/office/drawing/2010/main" w="9525">
+                <a14:hiddenLine xmlns:a14="http://schemas.microsoft.com/office/drawing/2010/main" xmlns="" w="9525">
                   <a:solidFill>
                     <a:srgbClr val="000000"/>
                   </a:solidFill>
@@ -4158,7 +4158,7 @@
             </a:ln>
             <a:extLst>
               <a:ext uri="{91240B29-F687-4f45-9708-019B960494DF}">
-                <a14:hiddenLine xmlns="" xmlns:a14="http://schemas.microsoft.com/office/drawing/2010/main" w="9525">
+                <a14:hiddenLine xmlns:a14="http://schemas.microsoft.com/office/drawing/2010/main" xmlns="" w="9525">
                   <a:solidFill>
                     <a:srgbClr val="000000"/>
                   </a:solidFill>
@@ -4248,7 +4248,7 @@
             </a:ln>
             <a:extLst>
               <a:ext uri="{91240B29-F687-4f45-9708-019B960494DF}">
-                <a14:hiddenLine xmlns="" xmlns:a14="http://schemas.microsoft.com/office/drawing/2010/main" w="9525">
+                <a14:hiddenLine xmlns:a14="http://schemas.microsoft.com/office/drawing/2010/main" xmlns="" w="9525">
                   <a:solidFill>
                     <a:srgbClr val="000000"/>
                   </a:solidFill>
@@ -4388,7 +4388,7 @@
           <a:p>
             <a:fld id="{88BB448F-91A6-46AE-BDA0-6175FD9BC8E0}" type="datetimeFigureOut">
               <a:rPr lang="en-US" smtClean="0"/>
-              <a:t>9/24/2024</a:t>
+              <a:t>9/25/2024</a:t>
             </a:fld>
             <a:endParaRPr lang="en-US"/>
           </a:p>
@@ -4655,7 +4655,7 @@
           <a:p>
             <a:fld id="{88BB448F-91A6-46AE-BDA0-6175FD9BC8E0}" type="datetimeFigureOut">
               <a:rPr lang="en-US" smtClean="0"/>
-              <a:t>9/24/2024</a:t>
+              <a:t>9/25/2024</a:t>
             </a:fld>
             <a:endParaRPr lang="en-US"/>
           </a:p>
@@ -4851,7 +4851,7 @@
           <a:p>
             <a:fld id="{88BB448F-91A6-46AE-BDA0-6175FD9BC8E0}" type="datetimeFigureOut">
               <a:rPr lang="en-US" smtClean="0"/>
-              <a:t>9/24/2024</a:t>
+              <a:t>9/25/2024</a:t>
             </a:fld>
             <a:endParaRPr lang="en-US"/>
           </a:p>
@@ -5114,7 +5114,7 @@
           <a:p>
             <a:fld id="{88BB448F-91A6-46AE-BDA0-6175FD9BC8E0}" type="datetimeFigureOut">
               <a:rPr lang="en-US" smtClean="0"/>
-              <a:t>9/24/2024</a:t>
+              <a:t>9/25/2024</a:t>
             </a:fld>
             <a:endParaRPr lang="en-US"/>
           </a:p>
@@ -5548,7 +5548,7 @@
           <a:p>
             <a:fld id="{88BB448F-91A6-46AE-BDA0-6175FD9BC8E0}" type="datetimeFigureOut">
               <a:rPr lang="en-US" smtClean="0"/>
-              <a:t>9/24/2024</a:t>
+              <a:t>9/25/2024</a:t>
             </a:fld>
             <a:endParaRPr lang="en-US"/>
           </a:p>
@@ -6094,7 +6094,7 @@
           <a:p>
             <a:fld id="{88BB448F-91A6-46AE-BDA0-6175FD9BC8E0}" type="datetimeFigureOut">
               <a:rPr lang="en-US" smtClean="0"/>
-              <a:t>9/24/2024</a:t>
+              <a:t>9/25/2024</a:t>
             </a:fld>
             <a:endParaRPr lang="en-US"/>
           </a:p>
@@ -6814,7 +6814,7 @@
           <a:p>
             <a:fld id="{88BB448F-91A6-46AE-BDA0-6175FD9BC8E0}" type="datetimeFigureOut">
               <a:rPr lang="en-US" smtClean="0"/>
-              <a:t>9/24/2024</a:t>
+              <a:t>9/25/2024</a:t>
             </a:fld>
             <a:endParaRPr lang="en-US"/>
           </a:p>
@@ -6984,7 +6984,7 @@
           <a:p>
             <a:fld id="{88BB448F-91A6-46AE-BDA0-6175FD9BC8E0}" type="datetimeFigureOut">
               <a:rPr lang="en-US" smtClean="0"/>
-              <a:t>9/24/2024</a:t>
+              <a:t>9/25/2024</a:t>
             </a:fld>
             <a:endParaRPr lang="en-US"/>
           </a:p>
@@ -7164,7 +7164,7 @@
           <a:p>
             <a:fld id="{88BB448F-91A6-46AE-BDA0-6175FD9BC8E0}" type="datetimeFigureOut">
               <a:rPr lang="en-US" smtClean="0"/>
-              <a:t>9/24/2024</a:t>
+              <a:t>9/25/2024</a:t>
             </a:fld>
             <a:endParaRPr lang="en-US"/>
           </a:p>
@@ -7334,7 +7334,7 @@
           <a:p>
             <a:fld id="{88BB448F-91A6-46AE-BDA0-6175FD9BC8E0}" type="datetimeFigureOut">
               <a:rPr lang="en-US" smtClean="0"/>
-              <a:t>9/24/2024</a:t>
+              <a:t>9/25/2024</a:t>
             </a:fld>
             <a:endParaRPr lang="en-US"/>
           </a:p>
@@ -7584,7 +7584,7 @@
           <a:p>
             <a:fld id="{88BB448F-91A6-46AE-BDA0-6175FD9BC8E0}" type="datetimeFigureOut">
               <a:rPr lang="en-US" smtClean="0"/>
-              <a:t>9/24/2024</a:t>
+              <a:t>9/25/2024</a:t>
             </a:fld>
             <a:endParaRPr lang="en-US"/>
           </a:p>
@@ -7816,7 +7816,7 @@
           <a:p>
             <a:fld id="{88BB448F-91A6-46AE-BDA0-6175FD9BC8E0}" type="datetimeFigureOut">
               <a:rPr lang="en-US" smtClean="0"/>
-              <a:t>9/24/2024</a:t>
+              <a:t>9/25/2024</a:t>
             </a:fld>
             <a:endParaRPr lang="en-US"/>
           </a:p>
@@ -8197,7 +8197,7 @@
           <a:p>
             <a:fld id="{88BB448F-91A6-46AE-BDA0-6175FD9BC8E0}" type="datetimeFigureOut">
               <a:rPr lang="en-US" smtClean="0"/>
-              <a:t>9/24/2024</a:t>
+              <a:t>9/25/2024</a:t>
             </a:fld>
             <a:endParaRPr lang="en-US"/>
           </a:p>
@@ -8315,7 +8315,7 @@
           <a:p>
             <a:fld id="{88BB448F-91A6-46AE-BDA0-6175FD9BC8E0}" type="datetimeFigureOut">
               <a:rPr lang="en-US" smtClean="0"/>
-              <a:t>9/24/2024</a:t>
+              <a:t>9/25/2024</a:t>
             </a:fld>
             <a:endParaRPr lang="en-US"/>
           </a:p>
@@ -8410,7 +8410,7 @@
           <a:p>
             <a:fld id="{88BB448F-91A6-46AE-BDA0-6175FD9BC8E0}" type="datetimeFigureOut">
               <a:rPr lang="en-US" smtClean="0"/>
-              <a:t>9/24/2024</a:t>
+              <a:t>9/25/2024</a:t>
             </a:fld>
             <a:endParaRPr lang="en-US"/>
           </a:p>
@@ -8659,7 +8659,7 @@
           <a:p>
             <a:fld id="{88BB448F-91A6-46AE-BDA0-6175FD9BC8E0}" type="datetimeFigureOut">
               <a:rPr lang="en-US" smtClean="0"/>
-              <a:t>9/24/2024</a:t>
+              <a:t>9/25/2024</a:t>
             </a:fld>
             <a:endParaRPr lang="en-US"/>
           </a:p>
@@ -8939,7 +8939,7 @@
           <a:p>
             <a:fld id="{88BB448F-91A6-46AE-BDA0-6175FD9BC8E0}" type="datetimeFigureOut">
               <a:rPr lang="en-US" smtClean="0"/>
-              <a:t>9/24/2024</a:t>
+              <a:t>9/25/2024</a:t>
             </a:fld>
             <a:endParaRPr lang="en-US"/>
           </a:p>
@@ -9055,7 +9055,7 @@
           <a:noFill/>
           <a:extLst>
             <a:ext uri="{909E8E84-426E-40dd-AFC4-6F175D3DCCD1}">
-              <a14:hiddenFill xmlns="" xmlns:a14="http://schemas.microsoft.com/office/drawing/2010/main">
+              <a14:hiddenFill xmlns:a14="http://schemas.microsoft.com/office/drawing/2010/main" xmlns="">
                 <a:solidFill>
                   <a:srgbClr val="FFFFFF"/>
                 </a:solidFill>
@@ -9129,7 +9129,7 @@
               </a:ln>
               <a:extLst>
                 <a:ext uri="{91240B29-F687-4f45-9708-019B960494DF}">
-                  <a14:hiddenLine xmlns="" xmlns:a14="http://schemas.microsoft.com/office/drawing/2010/main" w="9525">
+                  <a14:hiddenLine xmlns:a14="http://schemas.microsoft.com/office/drawing/2010/main" xmlns="" w="9525">
                     <a:solidFill>
                       <a:srgbClr val="000000"/>
                     </a:solidFill>
@@ -9219,7 +9219,7 @@
               </a:ln>
               <a:extLst>
                 <a:ext uri="{91240B29-F687-4f45-9708-019B960494DF}">
-                  <a14:hiddenLine xmlns="" xmlns:a14="http://schemas.microsoft.com/office/drawing/2010/main" w="9525">
+                  <a14:hiddenLine xmlns:a14="http://schemas.microsoft.com/office/drawing/2010/main" xmlns="" w="9525">
                     <a:solidFill>
                       <a:srgbClr val="000000"/>
                     </a:solidFill>
@@ -9309,7 +9309,7 @@
               </a:ln>
               <a:extLst>
                 <a:ext uri="{91240B29-F687-4f45-9708-019B960494DF}">
-                  <a14:hiddenLine xmlns="" xmlns:a14="http://schemas.microsoft.com/office/drawing/2010/main" w="9525">
+                  <a14:hiddenLine xmlns:a14="http://schemas.microsoft.com/office/drawing/2010/main" xmlns="" w="9525">
                     <a:solidFill>
                       <a:srgbClr val="000000"/>
                     </a:solidFill>
@@ -9371,7 +9371,7 @@
               </a:ln>
               <a:extLst>
                 <a:ext uri="{91240B29-F687-4f45-9708-019B960494DF}">
-                  <a14:hiddenLine xmlns="" xmlns:a14="http://schemas.microsoft.com/office/drawing/2010/main" w="9525">
+                  <a14:hiddenLine xmlns:a14="http://schemas.microsoft.com/office/drawing/2010/main" xmlns="" w="9525">
                     <a:solidFill>
                       <a:srgbClr val="000000"/>
                     </a:solidFill>
@@ -9461,7 +9461,7 @@
               </a:ln>
               <a:extLst>
                 <a:ext uri="{91240B29-F687-4f45-9708-019B960494DF}">
-                  <a14:hiddenLine xmlns="" xmlns:a14="http://schemas.microsoft.com/office/drawing/2010/main" w="9525">
+                  <a14:hiddenLine xmlns:a14="http://schemas.microsoft.com/office/drawing/2010/main" xmlns="" w="9525">
                     <a:solidFill>
                       <a:srgbClr val="000000"/>
                     </a:solidFill>
@@ -9523,7 +9523,7 @@
               </a:ln>
               <a:extLst>
                 <a:ext uri="{91240B29-F687-4f45-9708-019B960494DF}">
-                  <a14:hiddenLine xmlns="" xmlns:a14="http://schemas.microsoft.com/office/drawing/2010/main" w="9525">
+                  <a14:hiddenLine xmlns:a14="http://schemas.microsoft.com/office/drawing/2010/main" xmlns="" w="9525">
                     <a:solidFill>
                       <a:srgbClr val="000000"/>
                     </a:solidFill>
@@ -9585,7 +9585,7 @@
               </a:ln>
               <a:extLst>
                 <a:ext uri="{91240B29-F687-4f45-9708-019B960494DF}">
-                  <a14:hiddenLine xmlns="" xmlns:a14="http://schemas.microsoft.com/office/drawing/2010/main" w="9525">
+                  <a14:hiddenLine xmlns:a14="http://schemas.microsoft.com/office/drawing/2010/main" xmlns="" w="9525">
                     <a:solidFill>
                       <a:srgbClr val="000000"/>
                     </a:solidFill>
@@ -9675,7 +9675,7 @@
               </a:ln>
               <a:extLst>
                 <a:ext uri="{91240B29-F687-4f45-9708-019B960494DF}">
-                  <a14:hiddenLine xmlns="" xmlns:a14="http://schemas.microsoft.com/office/drawing/2010/main" w="9525">
+                  <a14:hiddenLine xmlns:a14="http://schemas.microsoft.com/office/drawing/2010/main" xmlns="" w="9525">
                     <a:solidFill>
                       <a:srgbClr val="000000"/>
                     </a:solidFill>
@@ -9765,7 +9765,7 @@
               </a:ln>
               <a:extLst>
                 <a:ext uri="{91240B29-F687-4f45-9708-019B960494DF}">
-                  <a14:hiddenLine xmlns="" xmlns:a14="http://schemas.microsoft.com/office/drawing/2010/main" w="9525">
+                  <a14:hiddenLine xmlns:a14="http://schemas.microsoft.com/office/drawing/2010/main" xmlns="" w="9525">
                     <a:solidFill>
                       <a:srgbClr val="000000"/>
                     </a:solidFill>
@@ -9827,7 +9827,7 @@
               </a:ln>
               <a:extLst>
                 <a:ext uri="{91240B29-F687-4f45-9708-019B960494DF}">
-                  <a14:hiddenLine xmlns="" xmlns:a14="http://schemas.microsoft.com/office/drawing/2010/main" w="9525">
+                  <a14:hiddenLine xmlns:a14="http://schemas.microsoft.com/office/drawing/2010/main" xmlns="" w="9525">
                     <a:solidFill>
                       <a:srgbClr val="000000"/>
                     </a:solidFill>
@@ -9937,7 +9937,7 @@
               </a:ln>
               <a:extLst>
                 <a:ext uri="{91240B29-F687-4f45-9708-019B960494DF}">
-                  <a14:hiddenLine xmlns="" xmlns:a14="http://schemas.microsoft.com/office/drawing/2010/main" w="9525">
+                  <a14:hiddenLine xmlns:a14="http://schemas.microsoft.com/office/drawing/2010/main" xmlns="" w="9525">
                     <a:solidFill>
                       <a:srgbClr val="000000"/>
                     </a:solidFill>
@@ -10021,7 +10021,7 @@
               </a:ln>
               <a:extLst>
                 <a:ext uri="{91240B29-F687-4f45-9708-019B960494DF}">
-                  <a14:hiddenLine xmlns="" xmlns:a14="http://schemas.microsoft.com/office/drawing/2010/main" w="9525">
+                  <a14:hiddenLine xmlns:a14="http://schemas.microsoft.com/office/drawing/2010/main" xmlns="" w="9525">
                     <a:solidFill>
                       <a:srgbClr val="000000"/>
                     </a:solidFill>
@@ -10083,7 +10083,7 @@
               </a:ln>
               <a:extLst>
                 <a:ext uri="{91240B29-F687-4f45-9708-019B960494DF}">
-                  <a14:hiddenLine xmlns="" xmlns:a14="http://schemas.microsoft.com/office/drawing/2010/main" w="9525">
+                  <a14:hiddenLine xmlns:a14="http://schemas.microsoft.com/office/drawing/2010/main" xmlns="" w="9525">
                     <a:solidFill>
                       <a:srgbClr val="000000"/>
                     </a:solidFill>
@@ -10145,7 +10145,7 @@
               </a:ln>
               <a:extLst>
                 <a:ext uri="{91240B29-F687-4f45-9708-019B960494DF}">
-                  <a14:hiddenLine xmlns="" xmlns:a14="http://schemas.microsoft.com/office/drawing/2010/main" w="9525">
+                  <a14:hiddenLine xmlns:a14="http://schemas.microsoft.com/office/drawing/2010/main" xmlns="" w="9525">
                     <a:solidFill>
                       <a:srgbClr val="000000"/>
                     </a:solidFill>
@@ -10235,7 +10235,7 @@
               </a:ln>
               <a:extLst>
                 <a:ext uri="{91240B29-F687-4f45-9708-019B960494DF}">
-                  <a14:hiddenLine xmlns="" xmlns:a14="http://schemas.microsoft.com/office/drawing/2010/main" w="9525">
+                  <a14:hiddenLine xmlns:a14="http://schemas.microsoft.com/office/drawing/2010/main" xmlns="" w="9525">
                     <a:solidFill>
                       <a:srgbClr val="000000"/>
                     </a:solidFill>
@@ -10269,7 +10269,7 @@
               </a:ln>
               <a:extLst>
                 <a:ext uri="{91240B29-F687-4f45-9708-019B960494DF}">
-                  <a14:hiddenLine xmlns="" xmlns:a14="http://schemas.microsoft.com/office/drawing/2010/main" w="9525">
+                  <a14:hiddenLine xmlns:a14="http://schemas.microsoft.com/office/drawing/2010/main" xmlns="" w="9525">
                     <a:solidFill>
                       <a:srgbClr val="000000"/>
                     </a:solidFill>
@@ -10334,7 +10334,7 @@
               </a:ln>
               <a:extLst>
                 <a:ext uri="{91240B29-F687-4f45-9708-019B960494DF}">
-                  <a14:hiddenLine xmlns="" xmlns:a14="http://schemas.microsoft.com/office/drawing/2010/main" w="9525">
+                  <a14:hiddenLine xmlns:a14="http://schemas.microsoft.com/office/drawing/2010/main" xmlns="" w="9525">
                     <a:solidFill>
                       <a:srgbClr val="000000"/>
                     </a:solidFill>
@@ -10424,7 +10424,7 @@
               </a:ln>
               <a:extLst>
                 <a:ext uri="{91240B29-F687-4f45-9708-019B960494DF}">
-                  <a14:hiddenLine xmlns="" xmlns:a14="http://schemas.microsoft.com/office/drawing/2010/main" w="9525">
+                  <a14:hiddenLine xmlns:a14="http://schemas.microsoft.com/office/drawing/2010/main" xmlns="" w="9525">
                     <a:solidFill>
                       <a:srgbClr val="000000"/>
                     </a:solidFill>
@@ -10486,7 +10486,7 @@
               </a:ln>
               <a:extLst>
                 <a:ext uri="{91240B29-F687-4f45-9708-019B960494DF}">
-                  <a14:hiddenLine xmlns="" xmlns:a14="http://schemas.microsoft.com/office/drawing/2010/main" w="9525">
+                  <a14:hiddenLine xmlns:a14="http://schemas.microsoft.com/office/drawing/2010/main" xmlns="" w="9525">
                     <a:solidFill>
                       <a:srgbClr val="000000"/>
                     </a:solidFill>
@@ -10576,7 +10576,7 @@
               </a:ln>
               <a:extLst>
                 <a:ext uri="{91240B29-F687-4f45-9708-019B960494DF}">
-                  <a14:hiddenLine xmlns="" xmlns:a14="http://schemas.microsoft.com/office/drawing/2010/main" w="9525">
+                  <a14:hiddenLine xmlns:a14="http://schemas.microsoft.com/office/drawing/2010/main" xmlns="" w="9525">
                     <a:solidFill>
                       <a:srgbClr val="000000"/>
                     </a:solidFill>
@@ -10641,7 +10641,7 @@
               </a:ln>
               <a:extLst>
                 <a:ext uri="{91240B29-F687-4f45-9708-019B960494DF}">
-                  <a14:hiddenLine xmlns="" xmlns:a14="http://schemas.microsoft.com/office/drawing/2010/main" w="9525">
+                  <a14:hiddenLine xmlns:a14="http://schemas.microsoft.com/office/drawing/2010/main" xmlns="" w="9525">
                     <a:solidFill>
                       <a:srgbClr val="000000"/>
                     </a:solidFill>
@@ -10703,7 +10703,7 @@
               </a:ln>
               <a:extLst>
                 <a:ext uri="{91240B29-F687-4f45-9708-019B960494DF}">
-                  <a14:hiddenLine xmlns="" xmlns:a14="http://schemas.microsoft.com/office/drawing/2010/main" w="9525">
+                  <a14:hiddenLine xmlns:a14="http://schemas.microsoft.com/office/drawing/2010/main" xmlns="" w="9525">
                     <a:solidFill>
                       <a:srgbClr val="000000"/>
                     </a:solidFill>
@@ -10793,7 +10793,7 @@
               </a:ln>
               <a:extLst>
                 <a:ext uri="{91240B29-F687-4f45-9708-019B960494DF}">
-                  <a14:hiddenLine xmlns="" xmlns:a14="http://schemas.microsoft.com/office/drawing/2010/main" w="9525">
+                  <a14:hiddenLine xmlns:a14="http://schemas.microsoft.com/office/drawing/2010/main" xmlns="" w="9525">
                     <a:solidFill>
                       <a:srgbClr val="000000"/>
                     </a:solidFill>
@@ -10883,7 +10883,7 @@
               </a:ln>
               <a:extLst>
                 <a:ext uri="{91240B29-F687-4f45-9708-019B960494DF}">
-                  <a14:hiddenLine xmlns="" xmlns:a14="http://schemas.microsoft.com/office/drawing/2010/main" w="9525">
+                  <a14:hiddenLine xmlns:a14="http://schemas.microsoft.com/office/drawing/2010/main" xmlns="" w="9525">
                     <a:solidFill>
                       <a:srgbClr val="000000"/>
                     </a:solidFill>
@@ -10948,7 +10948,7 @@
               </a:ln>
               <a:extLst>
                 <a:ext uri="{91240B29-F687-4f45-9708-019B960494DF}">
-                  <a14:hiddenLine xmlns="" xmlns:a14="http://schemas.microsoft.com/office/drawing/2010/main" w="9525">
+                  <a14:hiddenLine xmlns:a14="http://schemas.microsoft.com/office/drawing/2010/main" xmlns="" w="9525">
                     <a:solidFill>
                       <a:srgbClr val="000000"/>
                     </a:solidFill>
@@ -11068,7 +11068,7 @@
               </a:ln>
               <a:extLst>
                 <a:ext uri="{91240B29-F687-4f45-9708-019B960494DF}">
-                  <a14:hiddenLine xmlns="" xmlns:a14="http://schemas.microsoft.com/office/drawing/2010/main" w="9525">
+                  <a14:hiddenLine xmlns:a14="http://schemas.microsoft.com/office/drawing/2010/main" xmlns="" w="9525">
                     <a:solidFill>
                       <a:srgbClr val="000000"/>
                     </a:solidFill>
@@ -11166,7 +11166,7 @@
               </a:ln>
               <a:extLst>
                 <a:ext uri="{91240B29-F687-4f45-9708-019B960494DF}">
-                  <a14:hiddenLine xmlns="" xmlns:a14="http://schemas.microsoft.com/office/drawing/2010/main" w="9525">
+                  <a14:hiddenLine xmlns:a14="http://schemas.microsoft.com/office/drawing/2010/main" xmlns="" w="9525">
                     <a:solidFill>
                       <a:srgbClr val="000000"/>
                     </a:solidFill>
@@ -11281,7 +11281,7 @@
               </a:ln>
               <a:extLst>
                 <a:ext uri="{91240B29-F687-4f45-9708-019B960494DF}">
-                  <a14:hiddenLine xmlns="" xmlns:a14="http://schemas.microsoft.com/office/drawing/2010/main" w="9525">
+                  <a14:hiddenLine xmlns:a14="http://schemas.microsoft.com/office/drawing/2010/main" xmlns="" w="9525">
                     <a:solidFill>
                       <a:srgbClr val="000000"/>
                     </a:solidFill>
@@ -11371,7 +11371,7 @@
               </a:ln>
               <a:extLst>
                 <a:ext uri="{91240B29-F687-4f45-9708-019B960494DF}">
-                  <a14:hiddenLine xmlns="" xmlns:a14="http://schemas.microsoft.com/office/drawing/2010/main" w="9525">
+                  <a14:hiddenLine xmlns:a14="http://schemas.microsoft.com/office/drawing/2010/main" xmlns="" w="9525">
                     <a:solidFill>
                       <a:srgbClr val="000000"/>
                     </a:solidFill>
@@ -11436,7 +11436,7 @@
               </a:ln>
               <a:extLst>
                 <a:ext uri="{91240B29-F687-4f45-9708-019B960494DF}">
-                  <a14:hiddenLine xmlns="" xmlns:a14="http://schemas.microsoft.com/office/drawing/2010/main" w="9525">
+                  <a14:hiddenLine xmlns:a14="http://schemas.microsoft.com/office/drawing/2010/main" xmlns="" w="9525">
                     <a:solidFill>
                       <a:srgbClr val="000000"/>
                     </a:solidFill>
@@ -11526,7 +11526,7 @@
               </a:ln>
               <a:extLst>
                 <a:ext uri="{91240B29-F687-4f45-9708-019B960494DF}">
-                  <a14:hiddenLine xmlns="" xmlns:a14="http://schemas.microsoft.com/office/drawing/2010/main" w="9525">
+                  <a14:hiddenLine xmlns:a14="http://schemas.microsoft.com/office/drawing/2010/main" xmlns="" w="9525">
                     <a:solidFill>
                       <a:srgbClr val="000000"/>
                     </a:solidFill>
@@ -11594,7 +11594,7 @@
               </a:ln>
               <a:extLst>
                 <a:ext uri="{91240B29-F687-4f45-9708-019B960494DF}">
-                  <a14:hiddenLine xmlns="" xmlns:a14="http://schemas.microsoft.com/office/drawing/2010/main" w="9525">
+                  <a14:hiddenLine xmlns:a14="http://schemas.microsoft.com/office/drawing/2010/main" xmlns="" w="9525">
                     <a:solidFill>
                       <a:srgbClr val="000000"/>
                     </a:solidFill>
@@ -11684,7 +11684,7 @@
               </a:ln>
               <a:extLst>
                 <a:ext uri="{91240B29-F687-4f45-9708-019B960494DF}">
-                  <a14:hiddenLine xmlns="" xmlns:a14="http://schemas.microsoft.com/office/drawing/2010/main" w="9525">
+                  <a14:hiddenLine xmlns:a14="http://schemas.microsoft.com/office/drawing/2010/main" xmlns="" w="9525">
                     <a:solidFill>
                       <a:srgbClr val="000000"/>
                     </a:solidFill>
@@ -11752,7 +11752,7 @@
               </a:ln>
               <a:extLst>
                 <a:ext uri="{91240B29-F687-4f45-9708-019B960494DF}">
-                  <a14:hiddenLine xmlns="" xmlns:a14="http://schemas.microsoft.com/office/drawing/2010/main" w="9525">
+                  <a14:hiddenLine xmlns:a14="http://schemas.microsoft.com/office/drawing/2010/main" xmlns="" w="9525">
                     <a:solidFill>
                       <a:srgbClr val="000000"/>
                     </a:solidFill>
@@ -11842,7 +11842,7 @@
               </a:ln>
               <a:extLst>
                 <a:ext uri="{91240B29-F687-4f45-9708-019B960494DF}">
-                  <a14:hiddenLine xmlns="" xmlns:a14="http://schemas.microsoft.com/office/drawing/2010/main" w="9525">
+                  <a14:hiddenLine xmlns:a14="http://schemas.microsoft.com/office/drawing/2010/main" xmlns="" w="9525">
                     <a:solidFill>
                       <a:srgbClr val="000000"/>
                     </a:solidFill>
@@ -11876,7 +11876,7 @@
               </a:ln>
               <a:extLst>
                 <a:ext uri="{91240B29-F687-4f45-9708-019B960494DF}">
-                  <a14:hiddenLine xmlns="" xmlns:a14="http://schemas.microsoft.com/office/drawing/2010/main" w="9525">
+                  <a14:hiddenLine xmlns:a14="http://schemas.microsoft.com/office/drawing/2010/main" xmlns="" w="9525">
                     <a:solidFill>
                       <a:srgbClr val="000000"/>
                     </a:solidFill>
@@ -12016,7 +12016,7 @@
           <a:p>
             <a:fld id="{88BB448F-91A6-46AE-BDA0-6175FD9BC8E0}" type="datetimeFigureOut">
               <a:rPr lang="en-US" smtClean="0"/>
-              <a:t>9/24/2024</a:t>
+              <a:t>9/25/2024</a:t>
             </a:fld>
             <a:endParaRPr lang="en-US"/>
           </a:p>
@@ -12480,7 +12480,23 @@
                   <a:schemeClr val="bg1"/>
                 </a:solidFill>
               </a:rPr>
-              <a:t>Use the Spyder (spyder) icon on the desktop</a:t>
+              <a:t>Use the Spyder (</a:t>
+            </a:r>
+            <a:r>
+              <a:rPr lang="en-US" dirty="0" err="1">
+                <a:solidFill>
+                  <a:schemeClr val="bg1"/>
+                </a:solidFill>
+              </a:rPr>
+              <a:t>datacollection</a:t>
+            </a:r>
+            <a:r>
+              <a:rPr lang="en-US" dirty="0">
+                <a:solidFill>
+                  <a:schemeClr val="bg1"/>
+                </a:solidFill>
+              </a:rPr>
+              <a:t>) icon on the desktop</a:t>
             </a:r>
           </a:p>
           <a:p>

--- a/lap computer background.pptx
+++ b/lap computer background.pptx
@@ -162,7 +162,7 @@
           <a:noFill/>
           <a:extLst>
             <a:ext uri="{909E8E84-426E-40dd-AFC4-6F175D3DCCD1}">
-              <a14:hiddenFill xmlns:a14="http://schemas.microsoft.com/office/drawing/2010/main" xmlns="">
+              <a14:hiddenFill xmlns="" xmlns:a14="http://schemas.microsoft.com/office/drawing/2010/main">
                 <a:solidFill>
                   <a:srgbClr val="FFFFFF"/>
                 </a:solidFill>
@@ -222,7 +222,7 @@
             </a:ln>
             <a:extLst>
               <a:ext uri="{91240B29-F687-4f45-9708-019B960494DF}">
-                <a14:hiddenLine xmlns:a14="http://schemas.microsoft.com/office/drawing/2010/main" xmlns="" w="9525">
+                <a14:hiddenLine xmlns="" xmlns:a14="http://schemas.microsoft.com/office/drawing/2010/main" w="9525">
                   <a:solidFill>
                     <a:srgbClr val="000000"/>
                   </a:solidFill>
@@ -312,7 +312,7 @@
             </a:ln>
             <a:extLst>
               <a:ext uri="{91240B29-F687-4f45-9708-019B960494DF}">
-                <a14:hiddenLine xmlns:a14="http://schemas.microsoft.com/office/drawing/2010/main" xmlns="" w="9525">
+                <a14:hiddenLine xmlns="" xmlns:a14="http://schemas.microsoft.com/office/drawing/2010/main" w="9525">
                   <a:solidFill>
                     <a:srgbClr val="000000"/>
                   </a:solidFill>
@@ -402,7 +402,7 @@
             </a:ln>
             <a:extLst>
               <a:ext uri="{91240B29-F687-4f45-9708-019B960494DF}">
-                <a14:hiddenLine xmlns:a14="http://schemas.microsoft.com/office/drawing/2010/main" xmlns="" w="9525">
+                <a14:hiddenLine xmlns="" xmlns:a14="http://schemas.microsoft.com/office/drawing/2010/main" w="9525">
                   <a:solidFill>
                     <a:srgbClr val="000000"/>
                   </a:solidFill>
@@ -436,7 +436,7 @@
             </a:ln>
             <a:extLst>
               <a:ext uri="{91240B29-F687-4f45-9708-019B960494DF}">
-                <a14:hiddenLine xmlns:a14="http://schemas.microsoft.com/office/drawing/2010/main" xmlns="" w="9525">
+                <a14:hiddenLine xmlns="" xmlns:a14="http://schemas.microsoft.com/office/drawing/2010/main" w="9525">
                   <a:solidFill>
                     <a:srgbClr val="000000"/>
                   </a:solidFill>
@@ -526,7 +526,7 @@
             </a:ln>
             <a:extLst>
               <a:ext uri="{91240B29-F687-4f45-9708-019B960494DF}">
-                <a14:hiddenLine xmlns:a14="http://schemas.microsoft.com/office/drawing/2010/main" xmlns="" w="9525">
+                <a14:hiddenLine xmlns="" xmlns:a14="http://schemas.microsoft.com/office/drawing/2010/main" w="9525">
                   <a:solidFill>
                     <a:srgbClr val="000000"/>
                   </a:solidFill>
@@ -588,7 +588,7 @@
             </a:ln>
             <a:extLst>
               <a:ext uri="{91240B29-F687-4f45-9708-019B960494DF}">
-                <a14:hiddenLine xmlns:a14="http://schemas.microsoft.com/office/drawing/2010/main" xmlns="" w="9525">
+                <a14:hiddenLine xmlns="" xmlns:a14="http://schemas.microsoft.com/office/drawing/2010/main" w="9525">
                   <a:solidFill>
                     <a:srgbClr val="000000"/>
                   </a:solidFill>
@@ -650,7 +650,7 @@
             </a:ln>
             <a:extLst>
               <a:ext uri="{91240B29-F687-4f45-9708-019B960494DF}">
-                <a14:hiddenLine xmlns:a14="http://schemas.microsoft.com/office/drawing/2010/main" xmlns="" w="9525">
+                <a14:hiddenLine xmlns="" xmlns:a14="http://schemas.microsoft.com/office/drawing/2010/main" w="9525">
                   <a:solidFill>
                     <a:srgbClr val="000000"/>
                   </a:solidFill>
@@ -740,7 +740,7 @@
             </a:ln>
             <a:extLst>
               <a:ext uri="{91240B29-F687-4f45-9708-019B960494DF}">
-                <a14:hiddenLine xmlns:a14="http://schemas.microsoft.com/office/drawing/2010/main" xmlns="" w="9525">
+                <a14:hiddenLine xmlns="" xmlns:a14="http://schemas.microsoft.com/office/drawing/2010/main" w="9525">
                   <a:solidFill>
                     <a:srgbClr val="000000"/>
                   </a:solidFill>
@@ -802,7 +802,7 @@
             </a:ln>
             <a:extLst>
               <a:ext uri="{91240B29-F687-4f45-9708-019B960494DF}">
-                <a14:hiddenLine xmlns:a14="http://schemas.microsoft.com/office/drawing/2010/main" xmlns="" w="9525">
+                <a14:hiddenLine xmlns="" xmlns:a14="http://schemas.microsoft.com/office/drawing/2010/main" w="9525">
                   <a:solidFill>
                     <a:srgbClr val="000000"/>
                   </a:solidFill>
@@ -864,7 +864,7 @@
             </a:ln>
             <a:extLst>
               <a:ext uri="{91240B29-F687-4f45-9708-019B960494DF}">
-                <a14:hiddenLine xmlns:a14="http://schemas.microsoft.com/office/drawing/2010/main" xmlns="" w="9525">
+                <a14:hiddenLine xmlns="" xmlns:a14="http://schemas.microsoft.com/office/drawing/2010/main" w="9525">
                   <a:solidFill>
                     <a:srgbClr val="000000"/>
                   </a:solidFill>
@@ -954,7 +954,7 @@
             </a:ln>
             <a:extLst>
               <a:ext uri="{91240B29-F687-4f45-9708-019B960494DF}">
-                <a14:hiddenLine xmlns:a14="http://schemas.microsoft.com/office/drawing/2010/main" xmlns="" w="9525">
+                <a14:hiddenLine xmlns="" xmlns:a14="http://schemas.microsoft.com/office/drawing/2010/main" w="9525">
                   <a:solidFill>
                     <a:srgbClr val="000000"/>
                   </a:solidFill>
@@ -1044,7 +1044,7 @@
             </a:ln>
             <a:extLst>
               <a:ext uri="{91240B29-F687-4f45-9708-019B960494DF}">
-                <a14:hiddenLine xmlns:a14="http://schemas.microsoft.com/office/drawing/2010/main" xmlns="" w="9525">
+                <a14:hiddenLine xmlns="" xmlns:a14="http://schemas.microsoft.com/office/drawing/2010/main" w="9525">
                   <a:solidFill>
                     <a:srgbClr val="000000"/>
                   </a:solidFill>
@@ -1106,7 +1106,7 @@
             </a:ln>
             <a:extLst>
               <a:ext uri="{91240B29-F687-4f45-9708-019B960494DF}">
-                <a14:hiddenLine xmlns:a14="http://schemas.microsoft.com/office/drawing/2010/main" xmlns="" w="9525">
+                <a14:hiddenLine xmlns="" xmlns:a14="http://schemas.microsoft.com/office/drawing/2010/main" w="9525">
                   <a:solidFill>
                     <a:srgbClr val="000000"/>
                   </a:solidFill>
@@ -1216,7 +1216,7 @@
             </a:ln>
             <a:extLst>
               <a:ext uri="{91240B29-F687-4f45-9708-019B960494DF}">
-                <a14:hiddenLine xmlns:a14="http://schemas.microsoft.com/office/drawing/2010/main" xmlns="" w="9525">
+                <a14:hiddenLine xmlns="" xmlns:a14="http://schemas.microsoft.com/office/drawing/2010/main" w="9525">
                   <a:solidFill>
                     <a:srgbClr val="000000"/>
                   </a:solidFill>
@@ -1278,7 +1278,7 @@
             </a:ln>
             <a:extLst>
               <a:ext uri="{91240B29-F687-4f45-9708-019B960494DF}">
-                <a14:hiddenLine xmlns:a14="http://schemas.microsoft.com/office/drawing/2010/main" xmlns="" w="9525">
+                <a14:hiddenLine xmlns="" xmlns:a14="http://schemas.microsoft.com/office/drawing/2010/main" w="9525">
                   <a:solidFill>
                     <a:srgbClr val="000000"/>
                   </a:solidFill>
@@ -1368,7 +1368,7 @@
             </a:ln>
             <a:extLst>
               <a:ext uri="{91240B29-F687-4f45-9708-019B960494DF}">
-                <a14:hiddenLine xmlns:a14="http://schemas.microsoft.com/office/drawing/2010/main" xmlns="" w="9525">
+                <a14:hiddenLine xmlns="" xmlns:a14="http://schemas.microsoft.com/office/drawing/2010/main" w="9525">
                   <a:solidFill>
                     <a:srgbClr val="000000"/>
                   </a:solidFill>
@@ -1458,7 +1458,7 @@
             </a:ln>
             <a:extLst>
               <a:ext uri="{91240B29-F687-4f45-9708-019B960494DF}">
-                <a14:hiddenLine xmlns:a14="http://schemas.microsoft.com/office/drawing/2010/main" xmlns="" w="9525">
+                <a14:hiddenLine xmlns="" xmlns:a14="http://schemas.microsoft.com/office/drawing/2010/main" w="9525">
                   <a:solidFill>
                     <a:srgbClr val="000000"/>
                   </a:solidFill>
@@ -1520,7 +1520,7 @@
             </a:ln>
             <a:extLst>
               <a:ext uri="{91240B29-F687-4f45-9708-019B960494DF}">
-                <a14:hiddenLine xmlns:a14="http://schemas.microsoft.com/office/drawing/2010/main" xmlns="" w="9525">
+                <a14:hiddenLine xmlns="" xmlns:a14="http://schemas.microsoft.com/office/drawing/2010/main" w="9525">
                   <a:solidFill>
                     <a:srgbClr val="000000"/>
                   </a:solidFill>
@@ -1610,7 +1610,7 @@
             </a:ln>
             <a:extLst>
               <a:ext uri="{91240B29-F687-4f45-9708-019B960494DF}">
-                <a14:hiddenLine xmlns:a14="http://schemas.microsoft.com/office/drawing/2010/main" xmlns="" w="9525">
+                <a14:hiddenLine xmlns="" xmlns:a14="http://schemas.microsoft.com/office/drawing/2010/main" w="9525">
                   <a:solidFill>
                     <a:srgbClr val="000000"/>
                   </a:solidFill>
@@ -1700,7 +1700,7 @@
             </a:ln>
             <a:extLst>
               <a:ext uri="{91240B29-F687-4f45-9708-019B960494DF}">
-                <a14:hiddenLine xmlns:a14="http://schemas.microsoft.com/office/drawing/2010/main" xmlns="" w="9525">
+                <a14:hiddenLine xmlns="" xmlns:a14="http://schemas.microsoft.com/office/drawing/2010/main" w="9525">
                   <a:solidFill>
                     <a:srgbClr val="000000"/>
                   </a:solidFill>
@@ -1756,7 +1756,7 @@
             </a:ln>
             <a:extLst>
               <a:ext uri="{91240B29-F687-4f45-9708-019B960494DF}">
-                <a14:hiddenLine xmlns:a14="http://schemas.microsoft.com/office/drawing/2010/main" xmlns="" w="9525">
+                <a14:hiddenLine xmlns="" xmlns:a14="http://schemas.microsoft.com/office/drawing/2010/main" w="9525">
                   <a:solidFill>
                     <a:srgbClr val="000000"/>
                   </a:solidFill>
@@ -1846,7 +1846,7 @@
             </a:ln>
             <a:extLst>
               <a:ext uri="{91240B29-F687-4f45-9708-019B960494DF}">
-                <a14:hiddenLine xmlns:a14="http://schemas.microsoft.com/office/drawing/2010/main" xmlns="" w="9525">
+                <a14:hiddenLine xmlns="" xmlns:a14="http://schemas.microsoft.com/office/drawing/2010/main" w="9525">
                   <a:solidFill>
                     <a:srgbClr val="000000"/>
                   </a:solidFill>
@@ -1902,7 +1902,7 @@
             </a:ln>
             <a:extLst>
               <a:ext uri="{91240B29-F687-4f45-9708-019B960494DF}">
-                <a14:hiddenLine xmlns:a14="http://schemas.microsoft.com/office/drawing/2010/main" xmlns="" w="9525">
+                <a14:hiddenLine xmlns="" xmlns:a14="http://schemas.microsoft.com/office/drawing/2010/main" w="9525">
                   <a:solidFill>
                     <a:srgbClr val="000000"/>
                   </a:solidFill>
@@ -1992,7 +1992,7 @@
             </a:ln>
             <a:extLst>
               <a:ext uri="{91240B29-F687-4f45-9708-019B960494DF}">
-                <a14:hiddenLine xmlns:a14="http://schemas.microsoft.com/office/drawing/2010/main" xmlns="" w="9525">
+                <a14:hiddenLine xmlns="" xmlns:a14="http://schemas.microsoft.com/office/drawing/2010/main" w="9525">
                   <a:solidFill>
                     <a:srgbClr val="000000"/>
                   </a:solidFill>
@@ -2060,7 +2060,7 @@
             </a:ln>
             <a:extLst>
               <a:ext uri="{91240B29-F687-4f45-9708-019B960494DF}">
-                <a14:hiddenLine xmlns:a14="http://schemas.microsoft.com/office/drawing/2010/main" xmlns="" w="9525">
+                <a14:hiddenLine xmlns="" xmlns:a14="http://schemas.microsoft.com/office/drawing/2010/main" w="9525">
                   <a:solidFill>
                     <a:srgbClr val="000000"/>
                   </a:solidFill>
@@ -2150,7 +2150,7 @@
             </a:ln>
             <a:extLst>
               <a:ext uri="{91240B29-F687-4f45-9708-019B960494DF}">
-                <a14:hiddenLine xmlns:a14="http://schemas.microsoft.com/office/drawing/2010/main" xmlns="" w="9525">
+                <a14:hiddenLine xmlns="" xmlns:a14="http://schemas.microsoft.com/office/drawing/2010/main" w="9525">
                   <a:solidFill>
                     <a:srgbClr val="000000"/>
                   </a:solidFill>
@@ -2218,7 +2218,7 @@
             </a:ln>
             <a:extLst>
               <a:ext uri="{91240B29-F687-4f45-9708-019B960494DF}">
-                <a14:hiddenLine xmlns:a14="http://schemas.microsoft.com/office/drawing/2010/main" xmlns="" w="9525">
+                <a14:hiddenLine xmlns="" xmlns:a14="http://schemas.microsoft.com/office/drawing/2010/main" w="9525">
                   <a:solidFill>
                     <a:srgbClr val="000000"/>
                   </a:solidFill>
@@ -2308,7 +2308,7 @@
             </a:ln>
             <a:extLst>
               <a:ext uri="{91240B29-F687-4f45-9708-019B960494DF}">
-                <a14:hiddenLine xmlns:a14="http://schemas.microsoft.com/office/drawing/2010/main" xmlns="" w="9525">
+                <a14:hiddenLine xmlns="" xmlns:a14="http://schemas.microsoft.com/office/drawing/2010/main" w="9525">
                   <a:solidFill>
                     <a:srgbClr val="000000"/>
                   </a:solidFill>
@@ -2342,7 +2342,7 @@
             </a:ln>
             <a:extLst>
               <a:ext uri="{91240B29-F687-4f45-9708-019B960494DF}">
-                <a14:hiddenLine xmlns:a14="http://schemas.microsoft.com/office/drawing/2010/main" xmlns="" w="9525">
+                <a14:hiddenLine xmlns="" xmlns:a14="http://schemas.microsoft.com/office/drawing/2010/main" w="9525">
                   <a:solidFill>
                     <a:srgbClr val="000000"/>
                   </a:solidFill>
@@ -2432,7 +2432,7 @@
             </a:ln>
             <a:extLst>
               <a:ext uri="{91240B29-F687-4f45-9708-019B960494DF}">
-                <a14:hiddenLine xmlns:a14="http://schemas.microsoft.com/office/drawing/2010/main" xmlns="" w="9525">
+                <a14:hiddenLine xmlns="" xmlns:a14="http://schemas.microsoft.com/office/drawing/2010/main" w="9525">
                   <a:solidFill>
                     <a:srgbClr val="000000"/>
                   </a:solidFill>
@@ -2494,7 +2494,7 @@
             </a:ln>
             <a:extLst>
               <a:ext uri="{91240B29-F687-4f45-9708-019B960494DF}">
-                <a14:hiddenLine xmlns:a14="http://schemas.microsoft.com/office/drawing/2010/main" xmlns="" w="9525">
+                <a14:hiddenLine xmlns="" xmlns:a14="http://schemas.microsoft.com/office/drawing/2010/main" w="9525">
                   <a:solidFill>
                     <a:srgbClr val="000000"/>
                   </a:solidFill>
@@ -2556,7 +2556,7 @@
             </a:ln>
             <a:extLst>
               <a:ext uri="{91240B29-F687-4f45-9708-019B960494DF}">
-                <a14:hiddenLine xmlns:a14="http://schemas.microsoft.com/office/drawing/2010/main" xmlns="" w="9525">
+                <a14:hiddenLine xmlns="" xmlns:a14="http://schemas.microsoft.com/office/drawing/2010/main" w="9525">
                   <a:solidFill>
                     <a:srgbClr val="000000"/>
                   </a:solidFill>
@@ -2646,7 +2646,7 @@
             </a:ln>
             <a:extLst>
               <a:ext uri="{91240B29-F687-4f45-9708-019B960494DF}">
-                <a14:hiddenLine xmlns:a14="http://schemas.microsoft.com/office/drawing/2010/main" xmlns="" w="9525">
+                <a14:hiddenLine xmlns="" xmlns:a14="http://schemas.microsoft.com/office/drawing/2010/main" w="9525">
                   <a:solidFill>
                     <a:srgbClr val="000000"/>
                   </a:solidFill>
@@ -2714,7 +2714,7 @@
             </a:ln>
             <a:extLst>
               <a:ext uri="{91240B29-F687-4f45-9708-019B960494DF}">
-                <a14:hiddenLine xmlns:a14="http://schemas.microsoft.com/office/drawing/2010/main" xmlns="" w="9525">
+                <a14:hiddenLine xmlns="" xmlns:a14="http://schemas.microsoft.com/office/drawing/2010/main" w="9525">
                   <a:solidFill>
                     <a:srgbClr val="000000"/>
                   </a:solidFill>
@@ -2776,7 +2776,7 @@
             </a:ln>
             <a:extLst>
               <a:ext uri="{91240B29-F687-4f45-9708-019B960494DF}">
-                <a14:hiddenLine xmlns:a14="http://schemas.microsoft.com/office/drawing/2010/main" xmlns="" w="9525">
+                <a14:hiddenLine xmlns="" xmlns:a14="http://schemas.microsoft.com/office/drawing/2010/main" w="9525">
                   <a:solidFill>
                     <a:srgbClr val="000000"/>
                   </a:solidFill>
@@ -2866,7 +2866,7 @@
             </a:ln>
             <a:extLst>
               <a:ext uri="{91240B29-F687-4f45-9708-019B960494DF}">
-                <a14:hiddenLine xmlns:a14="http://schemas.microsoft.com/office/drawing/2010/main" xmlns="" w="9525">
+                <a14:hiddenLine xmlns="" xmlns:a14="http://schemas.microsoft.com/office/drawing/2010/main" w="9525">
                   <a:solidFill>
                     <a:srgbClr val="000000"/>
                   </a:solidFill>
@@ -2928,7 +2928,7 @@
             </a:ln>
             <a:extLst>
               <a:ext uri="{91240B29-F687-4f45-9708-019B960494DF}">
-                <a14:hiddenLine xmlns:a14="http://schemas.microsoft.com/office/drawing/2010/main" xmlns="" w="9525">
+                <a14:hiddenLine xmlns="" xmlns:a14="http://schemas.microsoft.com/office/drawing/2010/main" w="9525">
                   <a:solidFill>
                     <a:srgbClr val="000000"/>
                   </a:solidFill>
@@ -3018,7 +3018,7 @@
             </a:ln>
             <a:extLst>
               <a:ext uri="{91240B29-F687-4f45-9708-019B960494DF}">
-                <a14:hiddenLine xmlns:a14="http://schemas.microsoft.com/office/drawing/2010/main" xmlns="" w="9525">
+                <a14:hiddenLine xmlns="" xmlns:a14="http://schemas.microsoft.com/office/drawing/2010/main" w="9525">
                   <a:solidFill>
                     <a:srgbClr val="000000"/>
                   </a:solidFill>
@@ -3080,7 +3080,7 @@
             </a:ln>
             <a:extLst>
               <a:ext uri="{91240B29-F687-4f45-9708-019B960494DF}">
-                <a14:hiddenLine xmlns:a14="http://schemas.microsoft.com/office/drawing/2010/main" xmlns="" w="9525">
+                <a14:hiddenLine xmlns="" xmlns:a14="http://schemas.microsoft.com/office/drawing/2010/main" w="9525">
                   <a:solidFill>
                     <a:srgbClr val="000000"/>
                   </a:solidFill>
@@ -3170,7 +3170,7 @@
             </a:ln>
             <a:extLst>
               <a:ext uri="{91240B29-F687-4f45-9708-019B960494DF}">
-                <a14:hiddenLine xmlns:a14="http://schemas.microsoft.com/office/drawing/2010/main" xmlns="" w="9525">
+                <a14:hiddenLine xmlns="" xmlns:a14="http://schemas.microsoft.com/office/drawing/2010/main" w="9525">
                   <a:solidFill>
                     <a:srgbClr val="000000"/>
                   </a:solidFill>
@@ -3204,7 +3204,7 @@
             </a:ln>
             <a:extLst>
               <a:ext uri="{91240B29-F687-4f45-9708-019B960494DF}">
-                <a14:hiddenLine xmlns:a14="http://schemas.microsoft.com/office/drawing/2010/main" xmlns="" w="9525">
+                <a14:hiddenLine xmlns="" xmlns:a14="http://schemas.microsoft.com/office/drawing/2010/main" w="9525">
                   <a:solidFill>
                     <a:srgbClr val="000000"/>
                   </a:solidFill>
@@ -3269,7 +3269,7 @@
             </a:ln>
             <a:extLst>
               <a:ext uri="{91240B29-F687-4f45-9708-019B960494DF}">
-                <a14:hiddenLine xmlns:a14="http://schemas.microsoft.com/office/drawing/2010/main" xmlns="" w="9525">
+                <a14:hiddenLine xmlns="" xmlns:a14="http://schemas.microsoft.com/office/drawing/2010/main" w="9525">
                   <a:solidFill>
                     <a:srgbClr val="000000"/>
                   </a:solidFill>
@@ -3359,7 +3359,7 @@
             </a:ln>
             <a:extLst>
               <a:ext uri="{91240B29-F687-4f45-9708-019B960494DF}">
-                <a14:hiddenLine xmlns:a14="http://schemas.microsoft.com/office/drawing/2010/main" xmlns="" w="9525">
+                <a14:hiddenLine xmlns="" xmlns:a14="http://schemas.microsoft.com/office/drawing/2010/main" w="9525">
                   <a:solidFill>
                     <a:srgbClr val="000000"/>
                   </a:solidFill>
@@ -3421,7 +3421,7 @@
             </a:ln>
             <a:extLst>
               <a:ext uri="{91240B29-F687-4f45-9708-019B960494DF}">
-                <a14:hiddenLine xmlns:a14="http://schemas.microsoft.com/office/drawing/2010/main" xmlns="" w="9525">
+                <a14:hiddenLine xmlns="" xmlns:a14="http://schemas.microsoft.com/office/drawing/2010/main" w="9525">
                   <a:solidFill>
                     <a:srgbClr val="000000"/>
                   </a:solidFill>
@@ -3511,7 +3511,7 @@
             </a:ln>
             <a:extLst>
               <a:ext uri="{91240B29-F687-4f45-9708-019B960494DF}">
-                <a14:hiddenLine xmlns:a14="http://schemas.microsoft.com/office/drawing/2010/main" xmlns="" w="9525">
+                <a14:hiddenLine xmlns="" xmlns:a14="http://schemas.microsoft.com/office/drawing/2010/main" w="9525">
                   <a:solidFill>
                     <a:srgbClr val="000000"/>
                   </a:solidFill>
@@ -3601,7 +3601,7 @@
             </a:ln>
             <a:extLst>
               <a:ext uri="{91240B29-F687-4f45-9708-019B960494DF}">
-                <a14:hiddenLine xmlns:a14="http://schemas.microsoft.com/office/drawing/2010/main" xmlns="" w="9525">
+                <a14:hiddenLine xmlns="" xmlns:a14="http://schemas.microsoft.com/office/drawing/2010/main" w="9525">
                   <a:solidFill>
                     <a:srgbClr val="000000"/>
                   </a:solidFill>
@@ -3666,7 +3666,7 @@
             </a:ln>
             <a:extLst>
               <a:ext uri="{91240B29-F687-4f45-9708-019B960494DF}">
-                <a14:hiddenLine xmlns:a14="http://schemas.microsoft.com/office/drawing/2010/main" xmlns="" w="9525">
+                <a14:hiddenLine xmlns="" xmlns:a14="http://schemas.microsoft.com/office/drawing/2010/main" w="9525">
                   <a:solidFill>
                     <a:srgbClr val="000000"/>
                   </a:solidFill>
@@ -3728,7 +3728,7 @@
             </a:ln>
             <a:extLst>
               <a:ext uri="{91240B29-F687-4f45-9708-019B960494DF}">
-                <a14:hiddenLine xmlns:a14="http://schemas.microsoft.com/office/drawing/2010/main" xmlns="" w="9525">
+                <a14:hiddenLine xmlns="" xmlns:a14="http://schemas.microsoft.com/office/drawing/2010/main" w="9525">
                   <a:solidFill>
                     <a:srgbClr val="000000"/>
                   </a:solidFill>
@@ -3818,7 +3818,7 @@
             </a:ln>
             <a:extLst>
               <a:ext uri="{91240B29-F687-4f45-9708-019B960494DF}">
-                <a14:hiddenLine xmlns:a14="http://schemas.microsoft.com/office/drawing/2010/main" xmlns="" w="9525">
+                <a14:hiddenLine xmlns="" xmlns:a14="http://schemas.microsoft.com/office/drawing/2010/main" w="9525">
                   <a:solidFill>
                     <a:srgbClr val="000000"/>
                   </a:solidFill>
@@ -3908,7 +3908,7 @@
             </a:ln>
             <a:extLst>
               <a:ext uri="{91240B29-F687-4f45-9708-019B960494DF}">
-                <a14:hiddenLine xmlns:a14="http://schemas.microsoft.com/office/drawing/2010/main" xmlns="" w="9525">
+                <a14:hiddenLine xmlns="" xmlns:a14="http://schemas.microsoft.com/office/drawing/2010/main" w="9525">
                   <a:solidFill>
                     <a:srgbClr val="000000"/>
                   </a:solidFill>
@@ -3970,7 +3970,7 @@
             </a:ln>
             <a:extLst>
               <a:ext uri="{91240B29-F687-4f45-9708-019B960494DF}">
-                <a14:hiddenLine xmlns:a14="http://schemas.microsoft.com/office/drawing/2010/main" xmlns="" w="9525">
+                <a14:hiddenLine xmlns="" xmlns:a14="http://schemas.microsoft.com/office/drawing/2010/main" w="9525">
                   <a:solidFill>
                     <a:srgbClr val="000000"/>
                   </a:solidFill>
@@ -4090,7 +4090,7 @@
             </a:ln>
             <a:extLst>
               <a:ext uri="{91240B29-F687-4f45-9708-019B960494DF}">
-                <a14:hiddenLine xmlns:a14="http://schemas.microsoft.com/office/drawing/2010/main" xmlns="" w="9525">
+                <a14:hiddenLine xmlns="" xmlns:a14="http://schemas.microsoft.com/office/drawing/2010/main" w="9525">
                   <a:solidFill>
                     <a:srgbClr val="000000"/>
                   </a:solidFill>
@@ -4158,7 +4158,7 @@
             </a:ln>
             <a:extLst>
               <a:ext uri="{91240B29-F687-4f45-9708-019B960494DF}">
-                <a14:hiddenLine xmlns:a14="http://schemas.microsoft.com/office/drawing/2010/main" xmlns="" w="9525">
+                <a14:hiddenLine xmlns="" xmlns:a14="http://schemas.microsoft.com/office/drawing/2010/main" w="9525">
                   <a:solidFill>
                     <a:srgbClr val="000000"/>
                   </a:solidFill>
@@ -4248,7 +4248,7 @@
             </a:ln>
             <a:extLst>
               <a:ext uri="{91240B29-F687-4f45-9708-019B960494DF}">
-                <a14:hiddenLine xmlns:a14="http://schemas.microsoft.com/office/drawing/2010/main" xmlns="" w="9525">
+                <a14:hiddenLine xmlns="" xmlns:a14="http://schemas.microsoft.com/office/drawing/2010/main" w="9525">
                   <a:solidFill>
                     <a:srgbClr val="000000"/>
                   </a:solidFill>
@@ -4388,7 +4388,7 @@
           <a:p>
             <a:fld id="{88BB448F-91A6-46AE-BDA0-6175FD9BC8E0}" type="datetimeFigureOut">
               <a:rPr lang="en-US" smtClean="0"/>
-              <a:t>9/25/2024</a:t>
+              <a:t>9/24/2025</a:t>
             </a:fld>
             <a:endParaRPr lang="en-US"/>
           </a:p>
@@ -4655,7 +4655,7 @@
           <a:p>
             <a:fld id="{88BB448F-91A6-46AE-BDA0-6175FD9BC8E0}" type="datetimeFigureOut">
               <a:rPr lang="en-US" smtClean="0"/>
-              <a:t>9/25/2024</a:t>
+              <a:t>9/24/2025</a:t>
             </a:fld>
             <a:endParaRPr lang="en-US"/>
           </a:p>
@@ -4851,7 +4851,7 @@
           <a:p>
             <a:fld id="{88BB448F-91A6-46AE-BDA0-6175FD9BC8E0}" type="datetimeFigureOut">
               <a:rPr lang="en-US" smtClean="0"/>
-              <a:t>9/25/2024</a:t>
+              <a:t>9/24/2025</a:t>
             </a:fld>
             <a:endParaRPr lang="en-US"/>
           </a:p>
@@ -5114,7 +5114,7 @@
           <a:p>
             <a:fld id="{88BB448F-91A6-46AE-BDA0-6175FD9BC8E0}" type="datetimeFigureOut">
               <a:rPr lang="en-US" smtClean="0"/>
-              <a:t>9/25/2024</a:t>
+              <a:t>9/24/2025</a:t>
             </a:fld>
             <a:endParaRPr lang="en-US"/>
           </a:p>
@@ -5548,7 +5548,7 @@
           <a:p>
             <a:fld id="{88BB448F-91A6-46AE-BDA0-6175FD9BC8E0}" type="datetimeFigureOut">
               <a:rPr lang="en-US" smtClean="0"/>
-              <a:t>9/25/2024</a:t>
+              <a:t>9/24/2025</a:t>
             </a:fld>
             <a:endParaRPr lang="en-US"/>
           </a:p>
@@ -6094,7 +6094,7 @@
           <a:p>
             <a:fld id="{88BB448F-91A6-46AE-BDA0-6175FD9BC8E0}" type="datetimeFigureOut">
               <a:rPr lang="en-US" smtClean="0"/>
-              <a:t>9/25/2024</a:t>
+              <a:t>9/24/2025</a:t>
             </a:fld>
             <a:endParaRPr lang="en-US"/>
           </a:p>
@@ -6814,7 +6814,7 @@
           <a:p>
             <a:fld id="{88BB448F-91A6-46AE-BDA0-6175FD9BC8E0}" type="datetimeFigureOut">
               <a:rPr lang="en-US" smtClean="0"/>
-              <a:t>9/25/2024</a:t>
+              <a:t>9/24/2025</a:t>
             </a:fld>
             <a:endParaRPr lang="en-US"/>
           </a:p>
@@ -6984,7 +6984,7 @@
           <a:p>
             <a:fld id="{88BB448F-91A6-46AE-BDA0-6175FD9BC8E0}" type="datetimeFigureOut">
               <a:rPr lang="en-US" smtClean="0"/>
-              <a:t>9/25/2024</a:t>
+              <a:t>9/24/2025</a:t>
             </a:fld>
             <a:endParaRPr lang="en-US"/>
           </a:p>
@@ -7164,7 +7164,7 @@
           <a:p>
             <a:fld id="{88BB448F-91A6-46AE-BDA0-6175FD9BC8E0}" type="datetimeFigureOut">
               <a:rPr lang="en-US" smtClean="0"/>
-              <a:t>9/25/2024</a:t>
+              <a:t>9/24/2025</a:t>
             </a:fld>
             <a:endParaRPr lang="en-US"/>
           </a:p>
@@ -7334,7 +7334,7 @@
           <a:p>
             <a:fld id="{88BB448F-91A6-46AE-BDA0-6175FD9BC8E0}" type="datetimeFigureOut">
               <a:rPr lang="en-US" smtClean="0"/>
-              <a:t>9/25/2024</a:t>
+              <a:t>9/24/2025</a:t>
             </a:fld>
             <a:endParaRPr lang="en-US"/>
           </a:p>
@@ -7584,7 +7584,7 @@
           <a:p>
             <a:fld id="{88BB448F-91A6-46AE-BDA0-6175FD9BC8E0}" type="datetimeFigureOut">
               <a:rPr lang="en-US" smtClean="0"/>
-              <a:t>9/25/2024</a:t>
+              <a:t>9/24/2025</a:t>
             </a:fld>
             <a:endParaRPr lang="en-US"/>
           </a:p>
@@ -7816,7 +7816,7 @@
           <a:p>
             <a:fld id="{88BB448F-91A6-46AE-BDA0-6175FD9BC8E0}" type="datetimeFigureOut">
               <a:rPr lang="en-US" smtClean="0"/>
-              <a:t>9/25/2024</a:t>
+              <a:t>9/24/2025</a:t>
             </a:fld>
             <a:endParaRPr lang="en-US"/>
           </a:p>
@@ -8197,7 +8197,7 @@
           <a:p>
             <a:fld id="{88BB448F-91A6-46AE-BDA0-6175FD9BC8E0}" type="datetimeFigureOut">
               <a:rPr lang="en-US" smtClean="0"/>
-              <a:t>9/25/2024</a:t>
+              <a:t>9/24/2025</a:t>
             </a:fld>
             <a:endParaRPr lang="en-US"/>
           </a:p>
@@ -8315,7 +8315,7 @@
           <a:p>
             <a:fld id="{88BB448F-91A6-46AE-BDA0-6175FD9BC8E0}" type="datetimeFigureOut">
               <a:rPr lang="en-US" smtClean="0"/>
-              <a:t>9/25/2024</a:t>
+              <a:t>9/24/2025</a:t>
             </a:fld>
             <a:endParaRPr lang="en-US"/>
           </a:p>
@@ -8410,7 +8410,7 @@
           <a:p>
             <a:fld id="{88BB448F-91A6-46AE-BDA0-6175FD9BC8E0}" type="datetimeFigureOut">
               <a:rPr lang="en-US" smtClean="0"/>
-              <a:t>9/25/2024</a:t>
+              <a:t>9/24/2025</a:t>
             </a:fld>
             <a:endParaRPr lang="en-US"/>
           </a:p>
@@ -8659,7 +8659,7 @@
           <a:p>
             <a:fld id="{88BB448F-91A6-46AE-BDA0-6175FD9BC8E0}" type="datetimeFigureOut">
               <a:rPr lang="en-US" smtClean="0"/>
-              <a:t>9/25/2024</a:t>
+              <a:t>9/24/2025</a:t>
             </a:fld>
             <a:endParaRPr lang="en-US"/>
           </a:p>
@@ -8939,7 +8939,7 @@
           <a:p>
             <a:fld id="{88BB448F-91A6-46AE-BDA0-6175FD9BC8E0}" type="datetimeFigureOut">
               <a:rPr lang="en-US" smtClean="0"/>
-              <a:t>9/25/2024</a:t>
+              <a:t>9/24/2025</a:t>
             </a:fld>
             <a:endParaRPr lang="en-US"/>
           </a:p>
@@ -9055,7 +9055,7 @@
           <a:noFill/>
           <a:extLst>
             <a:ext uri="{909E8E84-426E-40dd-AFC4-6F175D3DCCD1}">
-              <a14:hiddenFill xmlns:a14="http://schemas.microsoft.com/office/drawing/2010/main" xmlns="">
+              <a14:hiddenFill xmlns="" xmlns:a14="http://schemas.microsoft.com/office/drawing/2010/main">
                 <a:solidFill>
                   <a:srgbClr val="FFFFFF"/>
                 </a:solidFill>
@@ -9129,7 +9129,7 @@
               </a:ln>
               <a:extLst>
                 <a:ext uri="{91240B29-F687-4f45-9708-019B960494DF}">
-                  <a14:hiddenLine xmlns:a14="http://schemas.microsoft.com/office/drawing/2010/main" xmlns="" w="9525">
+                  <a14:hiddenLine xmlns="" xmlns:a14="http://schemas.microsoft.com/office/drawing/2010/main" w="9525">
                     <a:solidFill>
                       <a:srgbClr val="000000"/>
                     </a:solidFill>
@@ -9219,7 +9219,7 @@
               </a:ln>
               <a:extLst>
                 <a:ext uri="{91240B29-F687-4f45-9708-019B960494DF}">
-                  <a14:hiddenLine xmlns:a14="http://schemas.microsoft.com/office/drawing/2010/main" xmlns="" w="9525">
+                  <a14:hiddenLine xmlns="" xmlns:a14="http://schemas.microsoft.com/office/drawing/2010/main" w="9525">
                     <a:solidFill>
                       <a:srgbClr val="000000"/>
                     </a:solidFill>
@@ -9309,7 +9309,7 @@
               </a:ln>
               <a:extLst>
                 <a:ext uri="{91240B29-F687-4f45-9708-019B960494DF}">
-                  <a14:hiddenLine xmlns:a14="http://schemas.microsoft.com/office/drawing/2010/main" xmlns="" w="9525">
+                  <a14:hiddenLine xmlns="" xmlns:a14="http://schemas.microsoft.com/office/drawing/2010/main" w="9525">
                     <a:solidFill>
                       <a:srgbClr val="000000"/>
                     </a:solidFill>
@@ -9371,7 +9371,7 @@
               </a:ln>
               <a:extLst>
                 <a:ext uri="{91240B29-F687-4f45-9708-019B960494DF}">
-                  <a14:hiddenLine xmlns:a14="http://schemas.microsoft.com/office/drawing/2010/main" xmlns="" w="9525">
+                  <a14:hiddenLine xmlns="" xmlns:a14="http://schemas.microsoft.com/office/drawing/2010/main" w="9525">
                     <a:solidFill>
                       <a:srgbClr val="000000"/>
                     </a:solidFill>
@@ -9461,7 +9461,7 @@
               </a:ln>
               <a:extLst>
                 <a:ext uri="{91240B29-F687-4f45-9708-019B960494DF}">
-                  <a14:hiddenLine xmlns:a14="http://schemas.microsoft.com/office/drawing/2010/main" xmlns="" w="9525">
+                  <a14:hiddenLine xmlns="" xmlns:a14="http://schemas.microsoft.com/office/drawing/2010/main" w="9525">
                     <a:solidFill>
                       <a:srgbClr val="000000"/>
                     </a:solidFill>
@@ -9523,7 +9523,7 @@
               </a:ln>
               <a:extLst>
                 <a:ext uri="{91240B29-F687-4f45-9708-019B960494DF}">
-                  <a14:hiddenLine xmlns:a14="http://schemas.microsoft.com/office/drawing/2010/main" xmlns="" w="9525">
+                  <a14:hiddenLine xmlns="" xmlns:a14="http://schemas.microsoft.com/office/drawing/2010/main" w="9525">
                     <a:solidFill>
                       <a:srgbClr val="000000"/>
                     </a:solidFill>
@@ -9585,7 +9585,7 @@
               </a:ln>
               <a:extLst>
                 <a:ext uri="{91240B29-F687-4f45-9708-019B960494DF}">
-                  <a14:hiddenLine xmlns:a14="http://schemas.microsoft.com/office/drawing/2010/main" xmlns="" w="9525">
+                  <a14:hiddenLine xmlns="" xmlns:a14="http://schemas.microsoft.com/office/drawing/2010/main" w="9525">
                     <a:solidFill>
                       <a:srgbClr val="000000"/>
                     </a:solidFill>
@@ -9675,7 +9675,7 @@
               </a:ln>
               <a:extLst>
                 <a:ext uri="{91240B29-F687-4f45-9708-019B960494DF}">
-                  <a14:hiddenLine xmlns:a14="http://schemas.microsoft.com/office/drawing/2010/main" xmlns="" w="9525">
+                  <a14:hiddenLine xmlns="" xmlns:a14="http://schemas.microsoft.com/office/drawing/2010/main" w="9525">
                     <a:solidFill>
                       <a:srgbClr val="000000"/>
                     </a:solidFill>
@@ -9765,7 +9765,7 @@
               </a:ln>
               <a:extLst>
                 <a:ext uri="{91240B29-F687-4f45-9708-019B960494DF}">
-                  <a14:hiddenLine xmlns:a14="http://schemas.microsoft.com/office/drawing/2010/main" xmlns="" w="9525">
+                  <a14:hiddenLine xmlns="" xmlns:a14="http://schemas.microsoft.com/office/drawing/2010/main" w="9525">
                     <a:solidFill>
                       <a:srgbClr val="000000"/>
                     </a:solidFill>
@@ -9827,7 +9827,7 @@
               </a:ln>
               <a:extLst>
                 <a:ext uri="{91240B29-F687-4f45-9708-019B960494DF}">
-                  <a14:hiddenLine xmlns:a14="http://schemas.microsoft.com/office/drawing/2010/main" xmlns="" w="9525">
+                  <a14:hiddenLine xmlns="" xmlns:a14="http://schemas.microsoft.com/office/drawing/2010/main" w="9525">
                     <a:solidFill>
                       <a:srgbClr val="000000"/>
                     </a:solidFill>
@@ -9937,7 +9937,7 @@
               </a:ln>
               <a:extLst>
                 <a:ext uri="{91240B29-F687-4f45-9708-019B960494DF}">
-                  <a14:hiddenLine xmlns:a14="http://schemas.microsoft.com/office/drawing/2010/main" xmlns="" w="9525">
+                  <a14:hiddenLine xmlns="" xmlns:a14="http://schemas.microsoft.com/office/drawing/2010/main" w="9525">
                     <a:solidFill>
                       <a:srgbClr val="000000"/>
                     </a:solidFill>
@@ -10021,7 +10021,7 @@
               </a:ln>
               <a:extLst>
                 <a:ext uri="{91240B29-F687-4f45-9708-019B960494DF}">
-                  <a14:hiddenLine xmlns:a14="http://schemas.microsoft.com/office/drawing/2010/main" xmlns="" w="9525">
+                  <a14:hiddenLine xmlns="" xmlns:a14="http://schemas.microsoft.com/office/drawing/2010/main" w="9525">
                     <a:solidFill>
                       <a:srgbClr val="000000"/>
                     </a:solidFill>
@@ -10083,7 +10083,7 @@
               </a:ln>
               <a:extLst>
                 <a:ext uri="{91240B29-F687-4f45-9708-019B960494DF}">
-                  <a14:hiddenLine xmlns:a14="http://schemas.microsoft.com/office/drawing/2010/main" xmlns="" w="9525">
+                  <a14:hiddenLine xmlns="" xmlns:a14="http://schemas.microsoft.com/office/drawing/2010/main" w="9525">
                     <a:solidFill>
                       <a:srgbClr val="000000"/>
                     </a:solidFill>
@@ -10145,7 +10145,7 @@
               </a:ln>
               <a:extLst>
                 <a:ext uri="{91240B29-F687-4f45-9708-019B960494DF}">
-                  <a14:hiddenLine xmlns:a14="http://schemas.microsoft.com/office/drawing/2010/main" xmlns="" w="9525">
+                  <a14:hiddenLine xmlns="" xmlns:a14="http://schemas.microsoft.com/office/drawing/2010/main" w="9525">
                     <a:solidFill>
                       <a:srgbClr val="000000"/>
                     </a:solidFill>
@@ -10235,7 +10235,7 @@
               </a:ln>
               <a:extLst>
                 <a:ext uri="{91240B29-F687-4f45-9708-019B960494DF}">
-                  <a14:hiddenLine xmlns:a14="http://schemas.microsoft.com/office/drawing/2010/main" xmlns="" w="9525">
+                  <a14:hiddenLine xmlns="" xmlns:a14="http://schemas.microsoft.com/office/drawing/2010/main" w="9525">
                     <a:solidFill>
                       <a:srgbClr val="000000"/>
                     </a:solidFill>
@@ -10269,7 +10269,7 @@
               </a:ln>
               <a:extLst>
                 <a:ext uri="{91240B29-F687-4f45-9708-019B960494DF}">
-                  <a14:hiddenLine xmlns:a14="http://schemas.microsoft.com/office/drawing/2010/main" xmlns="" w="9525">
+                  <a14:hiddenLine xmlns="" xmlns:a14="http://schemas.microsoft.com/office/drawing/2010/main" w="9525">
                     <a:solidFill>
                       <a:srgbClr val="000000"/>
                     </a:solidFill>
@@ -10334,7 +10334,7 @@
               </a:ln>
               <a:extLst>
                 <a:ext uri="{91240B29-F687-4f45-9708-019B960494DF}">
-                  <a14:hiddenLine xmlns:a14="http://schemas.microsoft.com/office/drawing/2010/main" xmlns="" w="9525">
+                  <a14:hiddenLine xmlns="" xmlns:a14="http://schemas.microsoft.com/office/drawing/2010/main" w="9525">
                     <a:solidFill>
                       <a:srgbClr val="000000"/>
                     </a:solidFill>
@@ -10424,7 +10424,7 @@
               </a:ln>
               <a:extLst>
                 <a:ext uri="{91240B29-F687-4f45-9708-019B960494DF}">
-                  <a14:hiddenLine xmlns:a14="http://schemas.microsoft.com/office/drawing/2010/main" xmlns="" w="9525">
+                  <a14:hiddenLine xmlns="" xmlns:a14="http://schemas.microsoft.com/office/drawing/2010/main" w="9525">
                     <a:solidFill>
                       <a:srgbClr val="000000"/>
                     </a:solidFill>
@@ -10486,7 +10486,7 @@
               </a:ln>
               <a:extLst>
                 <a:ext uri="{91240B29-F687-4f45-9708-019B960494DF}">
-                  <a14:hiddenLine xmlns:a14="http://schemas.microsoft.com/office/drawing/2010/main" xmlns="" w="9525">
+                  <a14:hiddenLine xmlns="" xmlns:a14="http://schemas.microsoft.com/office/drawing/2010/main" w="9525">
                     <a:solidFill>
                       <a:srgbClr val="000000"/>
                     </a:solidFill>
@@ -10576,7 +10576,7 @@
               </a:ln>
               <a:extLst>
                 <a:ext uri="{91240B29-F687-4f45-9708-019B960494DF}">
-                  <a14:hiddenLine xmlns:a14="http://schemas.microsoft.com/office/drawing/2010/main" xmlns="" w="9525">
+                  <a14:hiddenLine xmlns="" xmlns:a14="http://schemas.microsoft.com/office/drawing/2010/main" w="9525">
                     <a:solidFill>
                       <a:srgbClr val="000000"/>
                     </a:solidFill>
@@ -10641,7 +10641,7 @@
               </a:ln>
               <a:extLst>
                 <a:ext uri="{91240B29-F687-4f45-9708-019B960494DF}">
-                  <a14:hiddenLine xmlns:a14="http://schemas.microsoft.com/office/drawing/2010/main" xmlns="" w="9525">
+                  <a14:hiddenLine xmlns="" xmlns:a14="http://schemas.microsoft.com/office/drawing/2010/main" w="9525">
                     <a:solidFill>
                       <a:srgbClr val="000000"/>
                     </a:solidFill>
@@ -10703,7 +10703,7 @@
               </a:ln>
               <a:extLst>
                 <a:ext uri="{91240B29-F687-4f45-9708-019B960494DF}">
-                  <a14:hiddenLine xmlns:a14="http://schemas.microsoft.com/office/drawing/2010/main" xmlns="" w="9525">
+                  <a14:hiddenLine xmlns="" xmlns:a14="http://schemas.microsoft.com/office/drawing/2010/main" w="9525">
                     <a:solidFill>
                       <a:srgbClr val="000000"/>
                     </a:solidFill>
@@ -10793,7 +10793,7 @@
               </a:ln>
               <a:extLst>
                 <a:ext uri="{91240B29-F687-4f45-9708-019B960494DF}">
-                  <a14:hiddenLine xmlns:a14="http://schemas.microsoft.com/office/drawing/2010/main" xmlns="" w="9525">
+                  <a14:hiddenLine xmlns="" xmlns:a14="http://schemas.microsoft.com/office/drawing/2010/main" w="9525">
                     <a:solidFill>
                       <a:srgbClr val="000000"/>
                     </a:solidFill>
@@ -10883,7 +10883,7 @@
               </a:ln>
               <a:extLst>
                 <a:ext uri="{91240B29-F687-4f45-9708-019B960494DF}">
-                  <a14:hiddenLine xmlns:a14="http://schemas.microsoft.com/office/drawing/2010/main" xmlns="" w="9525">
+                  <a14:hiddenLine xmlns="" xmlns:a14="http://schemas.microsoft.com/office/drawing/2010/main" w="9525">
                     <a:solidFill>
                       <a:srgbClr val="000000"/>
                     </a:solidFill>
@@ -10948,7 +10948,7 @@
               </a:ln>
               <a:extLst>
                 <a:ext uri="{91240B29-F687-4f45-9708-019B960494DF}">
-                  <a14:hiddenLine xmlns:a14="http://schemas.microsoft.com/office/drawing/2010/main" xmlns="" w="9525">
+                  <a14:hiddenLine xmlns="" xmlns:a14="http://schemas.microsoft.com/office/drawing/2010/main" w="9525">
                     <a:solidFill>
                       <a:srgbClr val="000000"/>
                     </a:solidFill>
@@ -11068,7 +11068,7 @@
               </a:ln>
               <a:extLst>
                 <a:ext uri="{91240B29-F687-4f45-9708-019B960494DF}">
-                  <a14:hiddenLine xmlns:a14="http://schemas.microsoft.com/office/drawing/2010/main" xmlns="" w="9525">
+                  <a14:hiddenLine xmlns="" xmlns:a14="http://schemas.microsoft.com/office/drawing/2010/main" w="9525">
                     <a:solidFill>
                       <a:srgbClr val="000000"/>
                     </a:solidFill>
@@ -11166,7 +11166,7 @@
               </a:ln>
               <a:extLst>
                 <a:ext uri="{91240B29-F687-4f45-9708-019B960494DF}">
-                  <a14:hiddenLine xmlns:a14="http://schemas.microsoft.com/office/drawing/2010/main" xmlns="" w="9525">
+                  <a14:hiddenLine xmlns="" xmlns:a14="http://schemas.microsoft.com/office/drawing/2010/main" w="9525">
                     <a:solidFill>
                       <a:srgbClr val="000000"/>
                     </a:solidFill>
@@ -11281,7 +11281,7 @@
               </a:ln>
               <a:extLst>
                 <a:ext uri="{91240B29-F687-4f45-9708-019B960494DF}">
-                  <a14:hiddenLine xmlns:a14="http://schemas.microsoft.com/office/drawing/2010/main" xmlns="" w="9525">
+                  <a14:hiddenLine xmlns="" xmlns:a14="http://schemas.microsoft.com/office/drawing/2010/main" w="9525">
                     <a:solidFill>
                       <a:srgbClr val="000000"/>
                     </a:solidFill>
@@ -11371,7 +11371,7 @@
               </a:ln>
               <a:extLst>
                 <a:ext uri="{91240B29-F687-4f45-9708-019B960494DF}">
-                  <a14:hiddenLine xmlns:a14="http://schemas.microsoft.com/office/drawing/2010/main" xmlns="" w="9525">
+                  <a14:hiddenLine xmlns="" xmlns:a14="http://schemas.microsoft.com/office/drawing/2010/main" w="9525">
                     <a:solidFill>
                       <a:srgbClr val="000000"/>
                     </a:solidFill>
@@ -11436,7 +11436,7 @@
               </a:ln>
               <a:extLst>
                 <a:ext uri="{91240B29-F687-4f45-9708-019B960494DF}">
-                  <a14:hiddenLine xmlns:a14="http://schemas.microsoft.com/office/drawing/2010/main" xmlns="" w="9525">
+                  <a14:hiddenLine xmlns="" xmlns:a14="http://schemas.microsoft.com/office/drawing/2010/main" w="9525">
                     <a:solidFill>
                       <a:srgbClr val="000000"/>
                     </a:solidFill>
@@ -11526,7 +11526,7 @@
               </a:ln>
               <a:extLst>
                 <a:ext uri="{91240B29-F687-4f45-9708-019B960494DF}">
-                  <a14:hiddenLine xmlns:a14="http://schemas.microsoft.com/office/drawing/2010/main" xmlns="" w="9525">
+                  <a14:hiddenLine xmlns="" xmlns:a14="http://schemas.microsoft.com/office/drawing/2010/main" w="9525">
                     <a:solidFill>
                       <a:srgbClr val="000000"/>
                     </a:solidFill>
@@ -11594,7 +11594,7 @@
               </a:ln>
               <a:extLst>
                 <a:ext uri="{91240B29-F687-4f45-9708-019B960494DF}">
-                  <a14:hiddenLine xmlns:a14="http://schemas.microsoft.com/office/drawing/2010/main" xmlns="" w="9525">
+                  <a14:hiddenLine xmlns="" xmlns:a14="http://schemas.microsoft.com/office/drawing/2010/main" w="9525">
                     <a:solidFill>
                       <a:srgbClr val="000000"/>
                     </a:solidFill>
@@ -11684,7 +11684,7 @@
               </a:ln>
               <a:extLst>
                 <a:ext uri="{91240B29-F687-4f45-9708-019B960494DF}">
-                  <a14:hiddenLine xmlns:a14="http://schemas.microsoft.com/office/drawing/2010/main" xmlns="" w="9525">
+                  <a14:hiddenLine xmlns="" xmlns:a14="http://schemas.microsoft.com/office/drawing/2010/main" w="9525">
                     <a:solidFill>
                       <a:srgbClr val="000000"/>
                     </a:solidFill>
@@ -11752,7 +11752,7 @@
               </a:ln>
               <a:extLst>
                 <a:ext uri="{91240B29-F687-4f45-9708-019B960494DF}">
-                  <a14:hiddenLine xmlns:a14="http://schemas.microsoft.com/office/drawing/2010/main" xmlns="" w="9525">
+                  <a14:hiddenLine xmlns="" xmlns:a14="http://schemas.microsoft.com/office/drawing/2010/main" w="9525">
                     <a:solidFill>
                       <a:srgbClr val="000000"/>
                     </a:solidFill>
@@ -11842,7 +11842,7 @@
               </a:ln>
               <a:extLst>
                 <a:ext uri="{91240B29-F687-4f45-9708-019B960494DF}">
-                  <a14:hiddenLine xmlns:a14="http://schemas.microsoft.com/office/drawing/2010/main" xmlns="" w="9525">
+                  <a14:hiddenLine xmlns="" xmlns:a14="http://schemas.microsoft.com/office/drawing/2010/main" w="9525">
                     <a:solidFill>
                       <a:srgbClr val="000000"/>
                     </a:solidFill>
@@ -11876,7 +11876,7 @@
               </a:ln>
               <a:extLst>
                 <a:ext uri="{91240B29-F687-4f45-9708-019B960494DF}">
-                  <a14:hiddenLine xmlns:a14="http://schemas.microsoft.com/office/drawing/2010/main" xmlns="" w="9525">
+                  <a14:hiddenLine xmlns="" xmlns:a14="http://schemas.microsoft.com/office/drawing/2010/main" w="9525">
                     <a:solidFill>
                       <a:srgbClr val="000000"/>
                     </a:solidFill>
@@ -12016,7 +12016,7 @@
           <a:p>
             <a:fld id="{88BB448F-91A6-46AE-BDA0-6175FD9BC8E0}" type="datetimeFigureOut">
               <a:rPr lang="en-US" smtClean="0"/>
-              <a:t>9/25/2024</a:t>
+              <a:t>9/24/2025</a:t>
             </a:fld>
             <a:endParaRPr lang="en-US"/>
           </a:p>
@@ -12451,7 +12451,7 @@
         <p:spPr>
           <a:xfrm>
             <a:off x="7288182" y="1670366"/>
-            <a:ext cx="3106757" cy="2677656"/>
+            <a:ext cx="3106757" cy="2646878"/>
           </a:xfrm>
           <a:prstGeom prst="rect">
             <a:avLst/>
@@ -12562,7 +12562,23 @@
                   <a:schemeClr val="bg1"/>
                 </a:solidFill>
               </a:rPr>
-              <a:t> activate spyder”</a:t>
+              <a:t> activate </a:t>
+            </a:r>
+            <a:r>
+              <a:rPr lang="en-US" dirty="0" err="1">
+                <a:solidFill>
+                  <a:schemeClr val="bg1"/>
+                </a:solidFill>
+              </a:rPr>
+              <a:t>datacollection</a:t>
+            </a:r>
+            <a:r>
+              <a:rPr lang="en-US" dirty="0">
+                <a:solidFill>
+                  <a:schemeClr val="bg1"/>
+                </a:solidFill>
+              </a:rPr>
+              <a:t>”</a:t>
             </a:r>
           </a:p>
           <a:p>
